--- a/MUSIC STREAMING WEBSITE.pptx
+++ b/MUSIC STREAMING WEBSITE.pptx
@@ -4,15 +4,23 @@
   <p:sldMasterIdLst>
     <p:sldMasterId id="2147483660" r:id="rId1"/>
   </p:sldMasterIdLst>
+  <p:notesMasterIdLst>
+    <p:notesMasterId r:id="rId15"/>
+  </p:notesMasterIdLst>
   <p:sldIdLst>
     <p:sldId id="256" r:id="rId2"/>
     <p:sldId id="257" r:id="rId3"/>
     <p:sldId id="258" r:id="rId4"/>
     <p:sldId id="259" r:id="rId5"/>
-    <p:sldId id="260" r:id="rId6"/>
-    <p:sldId id="261" r:id="rId7"/>
-    <p:sldId id="262" r:id="rId8"/>
-    <p:sldId id="263" r:id="rId9"/>
+    <p:sldId id="261" r:id="rId6"/>
+    <p:sldId id="262" r:id="rId7"/>
+    <p:sldId id="263" r:id="rId8"/>
+    <p:sldId id="264" r:id="rId9"/>
+    <p:sldId id="265" r:id="rId10"/>
+    <p:sldId id="266" r:id="rId11"/>
+    <p:sldId id="267" r:id="rId12"/>
+    <p:sldId id="268" r:id="rId13"/>
+    <p:sldId id="269" r:id="rId14"/>
   </p:sldIdLst>
   <p:sldSz cx="9144000" cy="6858000" type="screen4x3"/>
   <p:notesSz cx="6858000" cy="9144000"/>
@@ -114,6 +122,440 @@
 </p:presentation>
 </file>
 
+<file path=ppt/notesMasters/notesMaster1.xml><?xml version="1.0" encoding="utf-8"?>
+<p:notesMaster xmlns:a="http://schemas.openxmlformats.org/drawingml/2006/main" xmlns:r="http://schemas.openxmlformats.org/officeDocument/2006/relationships" xmlns:p="http://schemas.openxmlformats.org/presentationml/2006/main">
+  <p:cSld>
+    <p:bg>
+      <p:bgRef idx="1001">
+        <a:schemeClr val="bg1"/>
+      </p:bgRef>
+    </p:bg>
+    <p:spTree>
+      <p:nvGrpSpPr>
+        <p:cNvPr id="1" name=""/>
+        <p:cNvGrpSpPr/>
+        <p:nvPr/>
+      </p:nvGrpSpPr>
+      <p:grpSpPr>
+        <a:xfrm>
+          <a:off x="0" y="0"/>
+          <a:ext cx="0" cy="0"/>
+          <a:chOff x="0" y="0"/>
+          <a:chExt cx="0" cy="0"/>
+        </a:xfrm>
+      </p:grpSpPr>
+      <p:sp>
+        <p:nvSpPr>
+          <p:cNvPr id="2" name="Header Placeholder 1"/>
+          <p:cNvSpPr>
+            <a:spLocks noGrp="1"/>
+          </p:cNvSpPr>
+          <p:nvPr>
+            <p:ph type="hdr" sz="quarter"/>
+          </p:nvPr>
+        </p:nvSpPr>
+        <p:spPr>
+          <a:xfrm>
+            <a:off x="0" y="0"/>
+            <a:ext cx="2971800" cy="457200"/>
+          </a:xfrm>
+          <a:prstGeom prst="rect">
+            <a:avLst/>
+          </a:prstGeom>
+        </p:spPr>
+        <p:txBody>
+          <a:bodyPr vert="horz" lIns="91440" tIns="45720" rIns="91440" bIns="45720" rtlCol="0"/>
+          <a:lstStyle>
+            <a:lvl1pPr algn="l">
+              <a:defRPr sz="1200"/>
+            </a:lvl1pPr>
+          </a:lstStyle>
+          <a:p>
+            <a:endParaRPr lang="en-US"/>
+          </a:p>
+        </p:txBody>
+      </p:sp>
+      <p:sp>
+        <p:nvSpPr>
+          <p:cNvPr id="3" name="Date Placeholder 2"/>
+          <p:cNvSpPr>
+            <a:spLocks noGrp="1"/>
+          </p:cNvSpPr>
+          <p:nvPr>
+            <p:ph type="dt" idx="1"/>
+          </p:nvPr>
+        </p:nvSpPr>
+        <p:spPr>
+          <a:xfrm>
+            <a:off x="3884613" y="0"/>
+            <a:ext cx="2971800" cy="457200"/>
+          </a:xfrm>
+          <a:prstGeom prst="rect">
+            <a:avLst/>
+          </a:prstGeom>
+        </p:spPr>
+        <p:txBody>
+          <a:bodyPr vert="horz" lIns="91440" tIns="45720" rIns="91440" bIns="45720" rtlCol="0"/>
+          <a:lstStyle>
+            <a:lvl1pPr algn="r">
+              <a:defRPr sz="1200"/>
+            </a:lvl1pPr>
+          </a:lstStyle>
+          <a:p>
+            <a:fld id="{FB80EFFF-71EA-4A58-B93D-005AD60707A4}" type="datetimeFigureOut">
+              <a:rPr lang="en-US" smtClean="0"/>
+              <a:t>26/05/2023</a:t>
+            </a:fld>
+            <a:endParaRPr lang="en-US"/>
+          </a:p>
+        </p:txBody>
+      </p:sp>
+      <p:sp>
+        <p:nvSpPr>
+          <p:cNvPr id="4" name="Slide Image Placeholder 3"/>
+          <p:cNvSpPr>
+            <a:spLocks noGrp="1" noRot="1" noChangeAspect="1"/>
+          </p:cNvSpPr>
+          <p:nvPr>
+            <p:ph type="sldImg" idx="2"/>
+          </p:nvPr>
+        </p:nvSpPr>
+        <p:spPr>
+          <a:xfrm>
+            <a:off x="1143000" y="685800"/>
+            <a:ext cx="4572000" cy="3429000"/>
+          </a:xfrm>
+          <a:prstGeom prst="rect">
+            <a:avLst/>
+          </a:prstGeom>
+          <a:noFill/>
+          <a:ln w="12700">
+            <a:solidFill>
+              <a:prstClr val="black"/>
+            </a:solidFill>
+          </a:ln>
+        </p:spPr>
+        <p:txBody>
+          <a:bodyPr vert="horz" lIns="91440" tIns="45720" rIns="91440" bIns="45720" rtlCol="0" anchor="ctr"/>
+          <a:lstStyle/>
+          <a:p>
+            <a:endParaRPr lang="en-US"/>
+          </a:p>
+        </p:txBody>
+      </p:sp>
+      <p:sp>
+        <p:nvSpPr>
+          <p:cNvPr id="5" name="Notes Placeholder 4"/>
+          <p:cNvSpPr>
+            <a:spLocks noGrp="1"/>
+          </p:cNvSpPr>
+          <p:nvPr>
+            <p:ph type="body" sz="quarter" idx="3"/>
+          </p:nvPr>
+        </p:nvSpPr>
+        <p:spPr>
+          <a:xfrm>
+            <a:off x="685800" y="4343400"/>
+            <a:ext cx="5486400" cy="4114800"/>
+          </a:xfrm>
+          <a:prstGeom prst="rect">
+            <a:avLst/>
+          </a:prstGeom>
+        </p:spPr>
+        <p:txBody>
+          <a:bodyPr vert="horz" lIns="91440" tIns="45720" rIns="91440" bIns="45720" rtlCol="0"/>
+          <a:lstStyle/>
+          <a:p>
+            <a:pPr lvl="0"/>
+            <a:r>
+              <a:rPr lang="en-US" smtClean="0"/>
+              <a:t>Click to edit Master text styles</a:t>
+            </a:r>
+          </a:p>
+          <a:p>
+            <a:pPr lvl="1"/>
+            <a:r>
+              <a:rPr lang="en-US" smtClean="0"/>
+              <a:t>Second level</a:t>
+            </a:r>
+          </a:p>
+          <a:p>
+            <a:pPr lvl="2"/>
+            <a:r>
+              <a:rPr lang="en-US" smtClean="0"/>
+              <a:t>Third level</a:t>
+            </a:r>
+          </a:p>
+          <a:p>
+            <a:pPr lvl="3"/>
+            <a:r>
+              <a:rPr lang="en-US" smtClean="0"/>
+              <a:t>Fourth level</a:t>
+            </a:r>
+          </a:p>
+          <a:p>
+            <a:pPr lvl="4"/>
+            <a:r>
+              <a:rPr lang="en-US" smtClean="0"/>
+              <a:t>Fifth level</a:t>
+            </a:r>
+            <a:endParaRPr lang="en-US"/>
+          </a:p>
+        </p:txBody>
+      </p:sp>
+      <p:sp>
+        <p:nvSpPr>
+          <p:cNvPr id="6" name="Footer Placeholder 5"/>
+          <p:cNvSpPr>
+            <a:spLocks noGrp="1"/>
+          </p:cNvSpPr>
+          <p:nvPr>
+            <p:ph type="ftr" sz="quarter" idx="4"/>
+          </p:nvPr>
+        </p:nvSpPr>
+        <p:spPr>
+          <a:xfrm>
+            <a:off x="0" y="8685213"/>
+            <a:ext cx="2971800" cy="457200"/>
+          </a:xfrm>
+          <a:prstGeom prst="rect">
+            <a:avLst/>
+          </a:prstGeom>
+        </p:spPr>
+        <p:txBody>
+          <a:bodyPr vert="horz" lIns="91440" tIns="45720" rIns="91440" bIns="45720" rtlCol="0" anchor="b"/>
+          <a:lstStyle>
+            <a:lvl1pPr algn="l">
+              <a:defRPr sz="1200"/>
+            </a:lvl1pPr>
+          </a:lstStyle>
+          <a:p>
+            <a:endParaRPr lang="en-US"/>
+          </a:p>
+        </p:txBody>
+      </p:sp>
+      <p:sp>
+        <p:nvSpPr>
+          <p:cNvPr id="7" name="Slide Number Placeholder 6"/>
+          <p:cNvSpPr>
+            <a:spLocks noGrp="1"/>
+          </p:cNvSpPr>
+          <p:nvPr>
+            <p:ph type="sldNum" sz="quarter" idx="5"/>
+          </p:nvPr>
+        </p:nvSpPr>
+        <p:spPr>
+          <a:xfrm>
+            <a:off x="3884613" y="8685213"/>
+            <a:ext cx="2971800" cy="457200"/>
+          </a:xfrm>
+          <a:prstGeom prst="rect">
+            <a:avLst/>
+          </a:prstGeom>
+        </p:spPr>
+        <p:txBody>
+          <a:bodyPr vert="horz" lIns="91440" tIns="45720" rIns="91440" bIns="45720" rtlCol="0" anchor="b"/>
+          <a:lstStyle>
+            <a:lvl1pPr algn="r">
+              <a:defRPr sz="1200"/>
+            </a:lvl1pPr>
+          </a:lstStyle>
+          <a:p>
+            <a:fld id="{881FFF19-C861-4A25-A960-0E3BB2277CFA}" type="slidenum">
+              <a:rPr lang="en-US" smtClean="0"/>
+              <a:t>‹#›</a:t>
+            </a:fld>
+            <a:endParaRPr lang="en-US"/>
+          </a:p>
+        </p:txBody>
+      </p:sp>
+    </p:spTree>
+    <p:extLst>
+      <p:ext uri="{BB962C8B-B14F-4D97-AF65-F5344CB8AC3E}">
+        <p14:creationId xmlns:p14="http://schemas.microsoft.com/office/powerpoint/2010/main" val="3074684729"/>
+      </p:ext>
+    </p:extLst>
+  </p:cSld>
+  <p:clrMap bg1="lt1" tx1="dk1" bg2="lt2" tx2="dk2" accent1="accent1" accent2="accent2" accent3="accent3" accent4="accent4" accent5="accent5" accent6="accent6" hlink="hlink" folHlink="folHlink"/>
+  <p:notesStyle>
+    <a:lvl1pPr marL="0" algn="l" defTabSz="914400" rtl="0" eaLnBrk="1" latinLnBrk="0" hangingPunct="1">
+      <a:defRPr sz="1200" kern="1200">
+        <a:solidFill>
+          <a:schemeClr val="tx1"/>
+        </a:solidFill>
+        <a:latin typeface="+mn-lt"/>
+        <a:ea typeface="+mn-ea"/>
+        <a:cs typeface="+mn-cs"/>
+      </a:defRPr>
+    </a:lvl1pPr>
+    <a:lvl2pPr marL="457200" algn="l" defTabSz="914400" rtl="0" eaLnBrk="1" latinLnBrk="0" hangingPunct="1">
+      <a:defRPr sz="1200" kern="1200">
+        <a:solidFill>
+          <a:schemeClr val="tx1"/>
+        </a:solidFill>
+        <a:latin typeface="+mn-lt"/>
+        <a:ea typeface="+mn-ea"/>
+        <a:cs typeface="+mn-cs"/>
+      </a:defRPr>
+    </a:lvl2pPr>
+    <a:lvl3pPr marL="914400" algn="l" defTabSz="914400" rtl="0" eaLnBrk="1" latinLnBrk="0" hangingPunct="1">
+      <a:defRPr sz="1200" kern="1200">
+        <a:solidFill>
+          <a:schemeClr val="tx1"/>
+        </a:solidFill>
+        <a:latin typeface="+mn-lt"/>
+        <a:ea typeface="+mn-ea"/>
+        <a:cs typeface="+mn-cs"/>
+      </a:defRPr>
+    </a:lvl3pPr>
+    <a:lvl4pPr marL="1371600" algn="l" defTabSz="914400" rtl="0" eaLnBrk="1" latinLnBrk="0" hangingPunct="1">
+      <a:defRPr sz="1200" kern="1200">
+        <a:solidFill>
+          <a:schemeClr val="tx1"/>
+        </a:solidFill>
+        <a:latin typeface="+mn-lt"/>
+        <a:ea typeface="+mn-ea"/>
+        <a:cs typeface="+mn-cs"/>
+      </a:defRPr>
+    </a:lvl4pPr>
+    <a:lvl5pPr marL="1828800" algn="l" defTabSz="914400" rtl="0" eaLnBrk="1" latinLnBrk="0" hangingPunct="1">
+      <a:defRPr sz="1200" kern="1200">
+        <a:solidFill>
+          <a:schemeClr val="tx1"/>
+        </a:solidFill>
+        <a:latin typeface="+mn-lt"/>
+        <a:ea typeface="+mn-ea"/>
+        <a:cs typeface="+mn-cs"/>
+      </a:defRPr>
+    </a:lvl5pPr>
+    <a:lvl6pPr marL="2286000" algn="l" defTabSz="914400" rtl="0" eaLnBrk="1" latinLnBrk="0" hangingPunct="1">
+      <a:defRPr sz="1200" kern="1200">
+        <a:solidFill>
+          <a:schemeClr val="tx1"/>
+        </a:solidFill>
+        <a:latin typeface="+mn-lt"/>
+        <a:ea typeface="+mn-ea"/>
+        <a:cs typeface="+mn-cs"/>
+      </a:defRPr>
+    </a:lvl6pPr>
+    <a:lvl7pPr marL="2743200" algn="l" defTabSz="914400" rtl="0" eaLnBrk="1" latinLnBrk="0" hangingPunct="1">
+      <a:defRPr sz="1200" kern="1200">
+        <a:solidFill>
+          <a:schemeClr val="tx1"/>
+        </a:solidFill>
+        <a:latin typeface="+mn-lt"/>
+        <a:ea typeface="+mn-ea"/>
+        <a:cs typeface="+mn-cs"/>
+      </a:defRPr>
+    </a:lvl7pPr>
+    <a:lvl8pPr marL="3200400" algn="l" defTabSz="914400" rtl="0" eaLnBrk="1" latinLnBrk="0" hangingPunct="1">
+      <a:defRPr sz="1200" kern="1200">
+        <a:solidFill>
+          <a:schemeClr val="tx1"/>
+        </a:solidFill>
+        <a:latin typeface="+mn-lt"/>
+        <a:ea typeface="+mn-ea"/>
+        <a:cs typeface="+mn-cs"/>
+      </a:defRPr>
+    </a:lvl8pPr>
+    <a:lvl9pPr marL="3657600" algn="l" defTabSz="914400" rtl="0" eaLnBrk="1" latinLnBrk="0" hangingPunct="1">
+      <a:defRPr sz="1200" kern="1200">
+        <a:solidFill>
+          <a:schemeClr val="tx1"/>
+        </a:solidFill>
+        <a:latin typeface="+mn-lt"/>
+        <a:ea typeface="+mn-ea"/>
+        <a:cs typeface="+mn-cs"/>
+      </a:defRPr>
+    </a:lvl9pPr>
+  </p:notesStyle>
+</p:notesMaster>
+</file>
+
+<file path=ppt/notesSlides/notesSlide1.xml><?xml version="1.0" encoding="utf-8"?>
+<p:notes xmlns:a="http://schemas.openxmlformats.org/drawingml/2006/main" xmlns:r="http://schemas.openxmlformats.org/officeDocument/2006/relationships" xmlns:p="http://schemas.openxmlformats.org/presentationml/2006/main">
+  <p:cSld>
+    <p:spTree>
+      <p:nvGrpSpPr>
+        <p:cNvPr id="1" name=""/>
+        <p:cNvGrpSpPr/>
+        <p:nvPr/>
+      </p:nvGrpSpPr>
+      <p:grpSpPr>
+        <a:xfrm>
+          <a:off x="0" y="0"/>
+          <a:ext cx="0" cy="0"/>
+          <a:chOff x="0" y="0"/>
+          <a:chExt cx="0" cy="0"/>
+        </a:xfrm>
+      </p:grpSpPr>
+      <p:sp>
+        <p:nvSpPr>
+          <p:cNvPr id="2" name="Slide Image Placeholder 1"/>
+          <p:cNvSpPr>
+            <a:spLocks noGrp="1" noRot="1" noChangeAspect="1"/>
+          </p:cNvSpPr>
+          <p:nvPr>
+            <p:ph type="sldImg"/>
+          </p:nvPr>
+        </p:nvSpPr>
+        <p:spPr/>
+      </p:sp>
+      <p:sp>
+        <p:nvSpPr>
+          <p:cNvPr id="3" name="Notes Placeholder 2"/>
+          <p:cNvSpPr>
+            <a:spLocks noGrp="1"/>
+          </p:cNvSpPr>
+          <p:nvPr>
+            <p:ph type="body" idx="1"/>
+          </p:nvPr>
+        </p:nvSpPr>
+        <p:spPr/>
+        <p:txBody>
+          <a:bodyPr/>
+          <a:lstStyle/>
+          <a:p>
+            <a:endParaRPr lang="en-US" dirty="0"/>
+          </a:p>
+        </p:txBody>
+      </p:sp>
+      <p:sp>
+        <p:nvSpPr>
+          <p:cNvPr id="4" name="Slide Number Placeholder 3"/>
+          <p:cNvSpPr>
+            <a:spLocks noGrp="1"/>
+          </p:cNvSpPr>
+          <p:nvPr>
+            <p:ph type="sldNum" sz="quarter" idx="10"/>
+          </p:nvPr>
+        </p:nvSpPr>
+        <p:spPr/>
+        <p:txBody>
+          <a:bodyPr/>
+          <a:lstStyle/>
+          <a:p>
+            <a:fld id="{881FFF19-C861-4A25-A960-0E3BB2277CFA}" type="slidenum">
+              <a:rPr lang="en-US" smtClean="0"/>
+              <a:t>6</a:t>
+            </a:fld>
+            <a:endParaRPr lang="en-US"/>
+          </a:p>
+        </p:txBody>
+      </p:sp>
+    </p:spTree>
+    <p:extLst>
+      <p:ext uri="{BB962C8B-B14F-4D97-AF65-F5344CB8AC3E}">
+        <p14:creationId xmlns:p14="http://schemas.microsoft.com/office/powerpoint/2010/main" val="2566340326"/>
+      </p:ext>
+    </p:extLst>
+  </p:cSld>
+  <p:clrMapOvr>
+    <a:masterClrMapping/>
+  </p:clrMapOvr>
+</p:notes>
+</file>
+
 <file path=ppt/slideLayouts/slideLayout1.xml><?xml version="1.0" encoding="utf-8"?>
 <p:sldLayout xmlns:a="http://schemas.openxmlformats.org/drawingml/2006/main" xmlns:r="http://schemas.openxmlformats.org/officeDocument/2006/relationships" xmlns:p="http://schemas.openxmlformats.org/presentationml/2006/main" showMasterSp="0" type="title" preserve="1">
   <p:cSld name="Title Slide">
@@ -251,7 +693,7 @@
           <a:p>
             <a:fld id="{C14EF3F2-8038-457A-A90E-BC9D810D1DA1}" type="datetimeFigureOut">
               <a:rPr lang="en-US" smtClean="0"/>
-              <a:t>25/05/2023</a:t>
+              <a:t>26/05/2023</a:t>
             </a:fld>
             <a:endParaRPr lang="en-US"/>
           </a:p>
@@ -1120,7 +1562,7 @@
           <a:p>
             <a:fld id="{C14EF3F2-8038-457A-A90E-BC9D810D1DA1}" type="datetimeFigureOut">
               <a:rPr lang="en-US" smtClean="0"/>
-              <a:t>25/05/2023</a:t>
+              <a:t>26/05/2023</a:t>
             </a:fld>
             <a:endParaRPr lang="en-US"/>
           </a:p>
@@ -1295,7 +1737,7 @@
           <a:p>
             <a:fld id="{C14EF3F2-8038-457A-A90E-BC9D810D1DA1}" type="datetimeFigureOut">
               <a:rPr lang="en-US" smtClean="0"/>
-              <a:t>25/05/2023</a:t>
+              <a:t>26/05/2023</a:t>
             </a:fld>
             <a:endParaRPr lang="en-US"/>
           </a:p>
@@ -1465,7 +1907,7 @@
           <a:p>
             <a:fld id="{C14EF3F2-8038-457A-A90E-BC9D810D1DA1}" type="datetimeFigureOut">
               <a:rPr lang="en-US" smtClean="0"/>
-              <a:t>25/05/2023</a:t>
+              <a:t>26/05/2023</a:t>
             </a:fld>
             <a:endParaRPr lang="en-US"/>
           </a:p>
@@ -1675,7 +2117,7 @@
           <a:p>
             <a:fld id="{C14EF3F2-8038-457A-A90E-BC9D810D1DA1}" type="datetimeFigureOut">
               <a:rPr lang="en-US" smtClean="0"/>
-              <a:t>25/05/2023</a:t>
+              <a:t>26/05/2023</a:t>
             </a:fld>
             <a:endParaRPr lang="en-US"/>
           </a:p>
@@ -2489,7 +2931,7 @@
           <a:p>
             <a:fld id="{C14EF3F2-8038-457A-A90E-BC9D810D1DA1}" type="datetimeFigureOut">
               <a:rPr lang="en-US" smtClean="0"/>
-              <a:t>25/05/2023</a:t>
+              <a:t>26/05/2023</a:t>
             </a:fld>
             <a:endParaRPr lang="en-US"/>
           </a:p>
@@ -2725,7 +3167,7 @@
           <a:p>
             <a:fld id="{C14EF3F2-8038-457A-A90E-BC9D810D1DA1}" type="datetimeFigureOut">
               <a:rPr lang="en-US" smtClean="0"/>
-              <a:t>25/05/2023</a:t>
+              <a:t>26/05/2023</a:t>
             </a:fld>
             <a:endParaRPr lang="en-US"/>
           </a:p>
@@ -3048,7 +3490,7 @@
           <a:p>
             <a:fld id="{C14EF3F2-8038-457A-A90E-BC9D810D1DA1}" type="datetimeFigureOut">
               <a:rPr lang="en-US" smtClean="0"/>
-              <a:t>25/05/2023</a:t>
+              <a:t>26/05/2023</a:t>
             </a:fld>
             <a:endParaRPr lang="en-US"/>
           </a:p>
@@ -3138,7 +3580,7 @@
           <a:p>
             <a:fld id="{C14EF3F2-8038-457A-A90E-BC9D810D1DA1}" type="datetimeFigureOut">
               <a:rPr lang="en-US" smtClean="0"/>
-              <a:t>25/05/2023</a:t>
+              <a:t>26/05/2023</a:t>
             </a:fld>
             <a:endParaRPr lang="en-US"/>
           </a:p>
@@ -3655,7 +4097,7 @@
           <a:p>
             <a:fld id="{C14EF3F2-8038-457A-A90E-BC9D810D1DA1}" type="datetimeFigureOut">
               <a:rPr lang="en-US" smtClean="0"/>
-              <a:t>25/05/2023</a:t>
+              <a:t>26/05/2023</a:t>
             </a:fld>
             <a:endParaRPr lang="en-US"/>
           </a:p>
@@ -4166,7 +4608,7 @@
           <a:p>
             <a:fld id="{C14EF3F2-8038-457A-A90E-BC9D810D1DA1}" type="datetimeFigureOut">
               <a:rPr lang="en-US" smtClean="0"/>
-              <a:t>25/05/2023</a:t>
+              <a:t>26/05/2023</a:t>
             </a:fld>
             <a:endParaRPr lang="en-US"/>
           </a:p>
@@ -4411,7 +4853,7 @@
           <a:p>
             <a:fld id="{C14EF3F2-8038-457A-A90E-BC9D810D1DA1}" type="datetimeFigureOut">
               <a:rPr lang="en-US" smtClean="0"/>
-              <a:t>25/05/2023</a:t>
+              <a:t>26/05/2023</a:t>
             </a:fld>
             <a:endParaRPr lang="en-US"/>
           </a:p>
@@ -5146,7 +5588,7 @@
 </p:sld>
 </file>
 
-<file path=ppt/slides/slide2.xml><?xml version="1.0" encoding="utf-8"?>
+<file path=ppt/slides/slide10.xml><?xml version="1.0" encoding="utf-8"?>
 <p:sld xmlns:a="http://schemas.openxmlformats.org/drawingml/2006/main" xmlns:r="http://schemas.openxmlformats.org/officeDocument/2006/relationships" xmlns:p="http://schemas.openxmlformats.org/presentationml/2006/main">
   <p:cSld>
     <p:spTree>
@@ -5173,30 +5615,16 @@
             <p:ph type="title"/>
           </p:nvPr>
         </p:nvSpPr>
-        <p:spPr>
-          <a:xfrm>
-            <a:off x="381000" y="304800"/>
-            <a:ext cx="7467600" cy="579438"/>
-          </a:xfrm>
-        </p:spPr>
+        <p:spPr/>
         <p:txBody>
           <a:bodyPr/>
           <a:lstStyle/>
           <a:p>
-            <a:pPr algn="ctr"/>
-            <a:r>
-              <a:rPr lang="en-US" dirty="0" smtClean="0">
-                <a:solidFill>
-                  <a:schemeClr val="tx1"/>
-                </a:solidFill>
-              </a:rPr>
-              <a:t>ABSTRACT</a:t>
-            </a:r>
-            <a:endParaRPr lang="en-US" dirty="0">
-              <a:solidFill>
-                <a:schemeClr val="tx1"/>
-              </a:solidFill>
-            </a:endParaRPr>
+            <a:r>
+              <a:rPr lang="en-US" dirty="0" smtClean="0"/>
+              <a:t>CONTINUES…</a:t>
+            </a:r>
+            <a:endParaRPr lang="en-US" dirty="0"/>
           </a:p>
         </p:txBody>
       </p:sp>
@@ -5210,820 +5638,80 @@
             <p:ph sz="quarter" idx="1"/>
           </p:nvPr>
         </p:nvSpPr>
-        <p:spPr>
-          <a:xfrm>
-            <a:off x="457200" y="1143000"/>
-            <a:ext cx="8077200" cy="5330952"/>
-          </a:xfrm>
-        </p:spPr>
-        <p:txBody>
-          <a:bodyPr>
-            <a:normAutofit/>
-          </a:bodyPr>
-          <a:lstStyle/>
-          <a:p>
-            <a:pPr marL="0" indent="0" algn="just">
+        <p:spPr/>
+        <p:txBody>
+          <a:bodyPr/>
+          <a:lstStyle/>
+          <a:p>
+            <a:r>
+              <a:rPr lang="en-US" dirty="0" smtClean="0"/>
+              <a:t>SONGS</a:t>
+            </a:r>
+          </a:p>
+          <a:p>
+            <a:pPr marL="0" indent="0">
               <a:buNone/>
             </a:pPr>
             <a:r>
-              <a:rPr lang="en-US" dirty="0"/>
-              <a:t>It is a system that allows users to explore and listen to a wide variety of songs available on the music streaming website. The project consists of different genres and categories of music, and they are displayed in an organized manner. The user can browse through these songs and add their favorite songs to their personal collection. If the user finds a song they like, they can listen to it instantly. Once the user subscribes successfully, they gain access to a wide range of songs and exclusive content. Thus, the online music streaming project brings a comprehensive music library to users' fingertips, making it convenient and enjoyable for music lovers to discover, listen, and enjoy their favorite tunes.</a:t>
-            </a:r>
-            <a:endParaRPr lang="en-US" dirty="0"/>
-          </a:p>
-        </p:txBody>
-      </p:sp>
-    </p:spTree>
-    <p:extLst>
-      <p:ext uri="{BB962C8B-B14F-4D97-AF65-F5344CB8AC3E}">
-        <p14:creationId xmlns:p14="http://schemas.microsoft.com/office/powerpoint/2010/main" val="3377131047"/>
-      </p:ext>
-    </p:extLst>
-  </p:cSld>
-  <p:clrMapOvr>
-    <a:masterClrMapping/>
-  </p:clrMapOvr>
-</p:sld>
-</file>
-
-<file path=ppt/slides/slide3.xml><?xml version="1.0" encoding="utf-8"?>
-<p:sld xmlns:a="http://schemas.openxmlformats.org/drawingml/2006/main" xmlns:r="http://schemas.openxmlformats.org/officeDocument/2006/relationships" xmlns:p="http://schemas.openxmlformats.org/presentationml/2006/main">
-  <p:cSld>
-    <p:spTree>
-      <p:nvGrpSpPr>
-        <p:cNvPr id="1" name=""/>
-        <p:cNvGrpSpPr/>
-        <p:nvPr/>
-      </p:nvGrpSpPr>
-      <p:grpSpPr>
-        <a:xfrm>
-          <a:off x="0" y="0"/>
-          <a:ext cx="0" cy="0"/>
-          <a:chOff x="0" y="0"/>
-          <a:chExt cx="0" cy="0"/>
-        </a:xfrm>
-      </p:grpSpPr>
-      <p:sp>
-        <p:nvSpPr>
-          <p:cNvPr id="2" name="Title 1"/>
-          <p:cNvSpPr>
-            <a:spLocks noGrp="1"/>
-          </p:cNvSpPr>
-          <p:nvPr>
-            <p:ph type="title"/>
-          </p:nvPr>
-        </p:nvSpPr>
-        <p:spPr/>
-        <p:txBody>
-          <a:bodyPr/>
-          <a:lstStyle/>
-          <a:p>
-            <a:pPr algn="ctr"/>
-            <a:r>
-              <a:rPr lang="en-US" dirty="0" smtClean="0">
-                <a:solidFill>
-                  <a:schemeClr val="tx1"/>
-                </a:solidFill>
-              </a:rPr>
-              <a:t>PROJECT REQUIREMENTS</a:t>
-            </a:r>
-            <a:endParaRPr lang="en-US" dirty="0">
-              <a:solidFill>
-                <a:schemeClr val="tx1"/>
-              </a:solidFill>
-            </a:endParaRPr>
-          </a:p>
-        </p:txBody>
-      </p:sp>
-      <p:sp>
-        <p:nvSpPr>
-          <p:cNvPr id="3" name="Content Placeholder 2"/>
-          <p:cNvSpPr>
-            <a:spLocks noGrp="1"/>
-          </p:cNvSpPr>
-          <p:nvPr>
-            <p:ph sz="quarter" idx="1"/>
-          </p:nvPr>
-        </p:nvSpPr>
-        <p:spPr>
-          <a:xfrm>
-            <a:off x="457200" y="1600200"/>
-            <a:ext cx="8077200" cy="4873752"/>
-          </a:xfrm>
-        </p:spPr>
-        <p:txBody>
-          <a:bodyPr>
-            <a:normAutofit fontScale="77500" lnSpcReduction="20000"/>
-          </a:bodyPr>
-          <a:lstStyle/>
-          <a:p>
-            <a:pPr marL="0" indent="0" algn="just">
+              <a:rPr lang="en-US" dirty="0" smtClean="0"/>
+              <a:t>User can lesson all the songs</a:t>
+            </a:r>
+          </a:p>
+          <a:p>
+            <a:pPr marL="0" indent="0">
               <a:buNone/>
             </a:pPr>
             <a:endParaRPr lang="en-US" dirty="0"/>
           </a:p>
-          <a:p>
-            <a:pPr algn="just"/>
+        </p:txBody>
+      </p:sp>
+      <p:sp>
+        <p:nvSpPr>
+          <p:cNvPr id="4" name="Content Placeholder 3"/>
+          <p:cNvSpPr>
+            <a:spLocks noGrp="1"/>
+          </p:cNvSpPr>
+          <p:nvPr>
+            <p:ph sz="quarter" idx="2"/>
+          </p:nvPr>
+        </p:nvSpPr>
+        <p:spPr/>
+        <p:txBody>
+          <a:bodyPr/>
+          <a:lstStyle/>
+          <a:p>
             <a:r>
               <a:rPr lang="en-US" dirty="0" smtClean="0"/>
-              <a:t>User </a:t>
-            </a:r>
-            <a:r>
-              <a:rPr lang="en-US" dirty="0"/>
-              <a:t>Registration and Authentication: Users should be able to create an account and log in securely to access the features of the website</a:t>
-            </a:r>
+              <a:t>LATEST SONGS</a:t>
+            </a:r>
+          </a:p>
+          <a:p>
+            <a:pPr marL="0" indent="0">
+              <a:buNone/>
+            </a:pPr>
             <a:r>
               <a:rPr lang="en-US" dirty="0" smtClean="0"/>
-              <a:t>.</a:t>
-            </a:r>
-            <a:endParaRPr lang="en-US" dirty="0"/>
-          </a:p>
-          <a:p>
-            <a:pPr algn="just"/>
-            <a:r>
-              <a:rPr lang="en-US" dirty="0" smtClean="0"/>
-              <a:t>Song </a:t>
-            </a:r>
-            <a:r>
-              <a:rPr lang="en-US" dirty="0"/>
-              <a:t>Database: A database to store and manage a large collection of songs, including metadata such as song title, artist, album, genre, duration, and other relevant information</a:t>
-            </a:r>
-            <a:r>
-              <a:rPr lang="en-US" dirty="0" smtClean="0"/>
-              <a:t>.</a:t>
-            </a:r>
-            <a:endParaRPr lang="en-US" dirty="0"/>
-          </a:p>
-          <a:p>
-            <a:pPr algn="just"/>
-            <a:r>
-              <a:rPr lang="en-US" dirty="0" smtClean="0"/>
-              <a:t>Song </a:t>
-            </a:r>
-            <a:r>
-              <a:rPr lang="en-US" dirty="0"/>
-              <a:t>Upload: An interface for authorized users (e.g., artists, administrators) to upload songs to the platform. This may involve file storage and management</a:t>
-            </a:r>
-            <a:r>
-              <a:rPr lang="en-US" dirty="0" smtClean="0"/>
-              <a:t>.</a:t>
-            </a:r>
-            <a:endParaRPr lang="en-US" dirty="0"/>
-          </a:p>
-          <a:p>
-            <a:pPr algn="just"/>
-            <a:r>
-              <a:rPr lang="en-US" dirty="0" smtClean="0"/>
-              <a:t>Song </a:t>
-            </a:r>
-            <a:r>
-              <a:rPr lang="en-US" dirty="0"/>
-              <a:t>Streaming: The ability for users to stream songs on-demand, allowing them to listen to music directly on the website or through a dedicated player</a:t>
-            </a:r>
-            <a:r>
-              <a:rPr lang="en-US" dirty="0" smtClean="0"/>
-              <a:t>.</a:t>
-            </a:r>
-            <a:endParaRPr lang="en-US" dirty="0"/>
-          </a:p>
-          <a:p>
-            <a:pPr algn="just"/>
-            <a:r>
-              <a:rPr lang="en-US" dirty="0" smtClean="0"/>
-              <a:t>Playlists </a:t>
-            </a:r>
-            <a:r>
-              <a:rPr lang="en-US" dirty="0"/>
-              <a:t>and Favorites: Users should be able to create and manage their playlists, as well as mark songs as favorites for quick access</a:t>
-            </a:r>
-            <a:r>
-              <a:rPr lang="en-US" dirty="0" smtClean="0"/>
-              <a:t>.</a:t>
-            </a:r>
-            <a:endParaRPr lang="en-US" dirty="0"/>
-          </a:p>
-          <a:p>
-            <a:pPr algn="just"/>
-            <a:r>
-              <a:rPr lang="en-US" dirty="0" smtClean="0"/>
-              <a:t>Search </a:t>
-            </a:r>
-            <a:r>
-              <a:rPr lang="en-US" dirty="0"/>
-              <a:t>and Browse: A search functionality that allows users to find songs, artists, albums, or genres based on their preferences. The ability to browse and discover new music is also important.</a:t>
-            </a:r>
-          </a:p>
-          <a:p>
-            <a:pPr algn="just"/>
-            <a:endParaRPr lang="en-US" dirty="0"/>
-          </a:p>
-        </p:txBody>
-      </p:sp>
-    </p:spTree>
-    <p:extLst>
-      <p:ext uri="{BB962C8B-B14F-4D97-AF65-F5344CB8AC3E}">
-        <p14:creationId xmlns:p14="http://schemas.microsoft.com/office/powerpoint/2010/main" val="249598468"/>
-      </p:ext>
-    </p:extLst>
-  </p:cSld>
-  <p:clrMapOvr>
-    <a:masterClrMapping/>
-  </p:clrMapOvr>
-</p:sld>
-</file>
-
-<file path=ppt/slides/slide4.xml><?xml version="1.0" encoding="utf-8"?>
-<p:sld xmlns:a="http://schemas.openxmlformats.org/drawingml/2006/main" xmlns:r="http://schemas.openxmlformats.org/officeDocument/2006/relationships" xmlns:p="http://schemas.openxmlformats.org/presentationml/2006/main">
-  <p:cSld>
-    <p:spTree>
-      <p:nvGrpSpPr>
-        <p:cNvPr id="1" name=""/>
-        <p:cNvGrpSpPr/>
-        <p:nvPr/>
-      </p:nvGrpSpPr>
-      <p:grpSpPr>
-        <a:xfrm>
-          <a:off x="0" y="0"/>
-          <a:ext cx="0" cy="0"/>
-          <a:chOff x="0" y="0"/>
-          <a:chExt cx="0" cy="0"/>
-        </a:xfrm>
-      </p:grpSpPr>
-      <p:sp>
-        <p:nvSpPr>
-          <p:cNvPr id="2" name="Title 1"/>
-          <p:cNvSpPr>
-            <a:spLocks noGrp="1"/>
-          </p:cNvSpPr>
-          <p:nvPr>
-            <p:ph type="title"/>
-          </p:nvPr>
-        </p:nvSpPr>
-        <p:spPr/>
-        <p:txBody>
-          <a:bodyPr/>
-          <a:lstStyle/>
-          <a:p>
-            <a:r>
-              <a:rPr lang="en-US" dirty="0" smtClean="0">
-                <a:solidFill>
-                  <a:schemeClr val="tx1"/>
-                </a:solidFill>
-              </a:rPr>
-              <a:t>Continue...</a:t>
-            </a:r>
-            <a:endParaRPr lang="en-US" dirty="0">
-              <a:solidFill>
-                <a:schemeClr val="tx1"/>
-              </a:solidFill>
-            </a:endParaRPr>
-          </a:p>
-        </p:txBody>
-      </p:sp>
-      <p:sp>
-        <p:nvSpPr>
-          <p:cNvPr id="3" name="Content Placeholder 2"/>
-          <p:cNvSpPr>
-            <a:spLocks noGrp="1"/>
-          </p:cNvSpPr>
-          <p:nvPr>
-            <p:ph sz="quarter" idx="1"/>
-          </p:nvPr>
-        </p:nvSpPr>
-        <p:spPr>
-          <a:xfrm>
-            <a:off x="457200" y="1600200"/>
-            <a:ext cx="7924800" cy="4873752"/>
-          </a:xfrm>
-        </p:spPr>
-        <p:txBody>
-          <a:bodyPr>
-            <a:normAutofit/>
-          </a:bodyPr>
-          <a:lstStyle/>
-          <a:p>
-            <a:pPr algn="just"/>
-            <a:r>
-              <a:rPr lang="en-US" dirty="0" smtClean="0"/>
-              <a:t>Categories: </a:t>
-            </a:r>
-            <a:r>
-              <a:rPr lang="en-US" dirty="0"/>
-              <a:t>Categorization of songs based on genres, moods, or </a:t>
-            </a:r>
-            <a:r>
-              <a:rPr lang="en-US" dirty="0" smtClean="0"/>
-              <a:t>themes.</a:t>
-            </a:r>
-            <a:endParaRPr lang="en-US" dirty="0"/>
-          </a:p>
-          <a:p>
-            <a:pPr algn="just"/>
-            <a:r>
-              <a:rPr lang="en-US" dirty="0" smtClean="0"/>
-              <a:t>User </a:t>
-            </a:r>
-            <a:r>
-              <a:rPr lang="en-US" dirty="0"/>
-              <a:t>Profile: Each user should have a profile page where they can manage their settings, view their listening history, and update their preferences</a:t>
-            </a:r>
-            <a:r>
-              <a:rPr lang="en-US" dirty="0" smtClean="0"/>
-              <a:t>.</a:t>
-            </a:r>
-            <a:endParaRPr lang="en-US" dirty="0"/>
-          </a:p>
-          <a:p>
-            <a:pPr algn="just"/>
-            <a:r>
-              <a:rPr lang="en-US" dirty="0" smtClean="0"/>
-              <a:t>Mobile </a:t>
-            </a:r>
-            <a:r>
-              <a:rPr lang="en-US" dirty="0"/>
-              <a:t>Compatibility: Responsive design or a dedicated mobile app to ensure the website works well on different devices and platforms.</a:t>
-            </a:r>
-          </a:p>
-          <a:p>
-            <a:pPr algn="just"/>
-            <a:endParaRPr lang="en-US" dirty="0"/>
-          </a:p>
-          <a:p>
-            <a:pPr algn="just"/>
-            <a:endParaRPr lang="en-US" dirty="0"/>
-          </a:p>
-        </p:txBody>
-      </p:sp>
-    </p:spTree>
-    <p:extLst>
-      <p:ext uri="{BB962C8B-B14F-4D97-AF65-F5344CB8AC3E}">
-        <p14:creationId xmlns:p14="http://schemas.microsoft.com/office/powerpoint/2010/main" val="3808504862"/>
-      </p:ext>
-    </p:extLst>
-  </p:cSld>
-  <p:clrMapOvr>
-    <a:masterClrMapping/>
-  </p:clrMapOvr>
-</p:sld>
-</file>
-
-<file path=ppt/slides/slide5.xml><?xml version="1.0" encoding="utf-8"?>
-<p:sld xmlns:a="http://schemas.openxmlformats.org/drawingml/2006/main" xmlns:r="http://schemas.openxmlformats.org/officeDocument/2006/relationships" xmlns:p="http://schemas.openxmlformats.org/presentationml/2006/main">
-  <p:cSld>
-    <p:spTree>
-      <p:nvGrpSpPr>
-        <p:cNvPr id="1" name=""/>
-        <p:cNvGrpSpPr/>
-        <p:nvPr/>
-      </p:nvGrpSpPr>
-      <p:grpSpPr>
-        <a:xfrm>
-          <a:off x="0" y="0"/>
-          <a:ext cx="0" cy="0"/>
-          <a:chOff x="0" y="0"/>
-          <a:chExt cx="0" cy="0"/>
-        </a:xfrm>
-      </p:grpSpPr>
-      <p:sp>
-        <p:nvSpPr>
-          <p:cNvPr id="2" name="Title 1"/>
-          <p:cNvSpPr>
-            <a:spLocks noGrp="1"/>
-          </p:cNvSpPr>
-          <p:nvPr>
-            <p:ph type="title"/>
-          </p:nvPr>
-        </p:nvSpPr>
-        <p:spPr/>
-        <p:txBody>
-          <a:bodyPr/>
-          <a:lstStyle/>
-          <a:p>
-            <a:r>
-              <a:rPr lang="en-US" dirty="0">
-                <a:solidFill>
-                  <a:schemeClr val="tx1"/>
-                </a:solidFill>
-              </a:rPr>
-              <a:t>Continue...</a:t>
-            </a:r>
-            <a:endParaRPr lang="en-US" dirty="0"/>
-          </a:p>
-        </p:txBody>
-      </p:sp>
-      <p:sp>
-        <p:nvSpPr>
-          <p:cNvPr id="3" name="Content Placeholder 2"/>
-          <p:cNvSpPr>
-            <a:spLocks noGrp="1"/>
-          </p:cNvSpPr>
-          <p:nvPr>
-            <p:ph sz="quarter" idx="1"/>
-          </p:nvPr>
-        </p:nvSpPr>
-        <p:spPr>
-          <a:xfrm>
-            <a:off x="457200" y="1600200"/>
-            <a:ext cx="8077200" cy="4873752"/>
-          </a:xfrm>
-        </p:spPr>
-        <p:txBody>
-          <a:bodyPr>
-            <a:normAutofit/>
-          </a:bodyPr>
-          <a:lstStyle/>
-          <a:p>
-            <a:pPr algn="just"/>
-            <a:r>
-              <a:rPr lang="en-US" dirty="0" smtClean="0"/>
-              <a:t>Performance </a:t>
-            </a:r>
-            <a:r>
-              <a:rPr lang="en-US" dirty="0"/>
-              <a:t>and Scalability: The system should be designed to handle a large number of concurrent users and efficiently deliver songs without significant delays or buffering issues</a:t>
-            </a:r>
-            <a:r>
-              <a:rPr lang="en-US" dirty="0" smtClean="0"/>
-              <a:t>.</a:t>
-            </a:r>
-            <a:endParaRPr lang="en-US" dirty="0"/>
-          </a:p>
-          <a:p>
-            <a:pPr algn="just"/>
-            <a:r>
-              <a:rPr lang="en-US" dirty="0" smtClean="0"/>
-              <a:t>Security</a:t>
-            </a:r>
-            <a:r>
-              <a:rPr lang="en-US" dirty="0"/>
-              <a:t>: Implementing necessary security measures to protect user data, prevent unauthorized access, and secure transactions</a:t>
-            </a:r>
-            <a:r>
-              <a:rPr lang="en-US" dirty="0" smtClean="0"/>
-              <a:t>.</a:t>
-            </a:r>
-            <a:endParaRPr lang="en-US" dirty="0"/>
-          </a:p>
-          <a:p>
-            <a:pPr algn="just"/>
-            <a:r>
-              <a:rPr lang="en-US" dirty="0" smtClean="0"/>
-              <a:t>Analytics </a:t>
-            </a:r>
-            <a:r>
-              <a:rPr lang="en-US" dirty="0"/>
-              <a:t>and Reporting: Collecting user data and generating reports on song popularity, user engagement, and other relevant metrics to gain insights and improve the platform.</a:t>
-            </a:r>
-          </a:p>
-          <a:p>
-            <a:pPr algn="just"/>
-            <a:endParaRPr lang="en-US" dirty="0"/>
-          </a:p>
-          <a:p>
-            <a:pPr algn="just"/>
-            <a:endParaRPr lang="en-US" dirty="0"/>
-          </a:p>
-        </p:txBody>
-      </p:sp>
-    </p:spTree>
-    <p:extLst>
-      <p:ext uri="{BB962C8B-B14F-4D97-AF65-F5344CB8AC3E}">
-        <p14:creationId xmlns:p14="http://schemas.microsoft.com/office/powerpoint/2010/main" val="1268786101"/>
-      </p:ext>
-    </p:extLst>
-  </p:cSld>
-  <p:clrMapOvr>
-    <a:masterClrMapping/>
-  </p:clrMapOvr>
-</p:sld>
-</file>
-
-<file path=ppt/slides/slide6.xml><?xml version="1.0" encoding="utf-8"?>
-<p:sld xmlns:a="http://schemas.openxmlformats.org/drawingml/2006/main" xmlns:r="http://schemas.openxmlformats.org/officeDocument/2006/relationships" xmlns:p="http://schemas.openxmlformats.org/presentationml/2006/main">
-  <p:cSld>
-    <p:spTree>
-      <p:nvGrpSpPr>
-        <p:cNvPr id="1" name=""/>
-        <p:cNvGrpSpPr/>
-        <p:nvPr/>
-      </p:nvGrpSpPr>
-      <p:grpSpPr>
-        <a:xfrm>
-          <a:off x="0" y="0"/>
-          <a:ext cx="0" cy="0"/>
-          <a:chOff x="0" y="0"/>
-          <a:chExt cx="0" cy="0"/>
-        </a:xfrm>
-      </p:grpSpPr>
-      <p:sp>
-        <p:nvSpPr>
-          <p:cNvPr id="2" name="Title 1"/>
-          <p:cNvSpPr>
-            <a:spLocks noGrp="1"/>
-          </p:cNvSpPr>
-          <p:nvPr>
-            <p:ph type="title"/>
-          </p:nvPr>
-        </p:nvSpPr>
-        <p:spPr>
-          <a:xfrm>
-            <a:off x="457200" y="152400"/>
-            <a:ext cx="7467600" cy="639762"/>
-          </a:xfrm>
-        </p:spPr>
-        <p:txBody>
-          <a:bodyPr/>
-          <a:lstStyle/>
-          <a:p>
-            <a:r>
-              <a:rPr lang="en-US" b="1" dirty="0">
-                <a:solidFill>
-                  <a:schemeClr val="tx1"/>
-                </a:solidFill>
-              </a:rPr>
-              <a:t>REQUIREMENTS </a:t>
-            </a:r>
-            <a:r>
-              <a:rPr lang="en-US" b="1" dirty="0" smtClean="0">
-                <a:solidFill>
-                  <a:schemeClr val="tx1"/>
-                </a:solidFill>
-              </a:rPr>
-              <a:t>LIST</a:t>
-            </a:r>
-            <a:endParaRPr lang="en-US" dirty="0">
-              <a:solidFill>
-                <a:schemeClr val="tx1"/>
-              </a:solidFill>
-            </a:endParaRPr>
-          </a:p>
-        </p:txBody>
-      </p:sp>
-      <p:sp>
-        <p:nvSpPr>
-          <p:cNvPr id="3" name="Content Placeholder 2"/>
-          <p:cNvSpPr>
-            <a:spLocks noGrp="1"/>
-          </p:cNvSpPr>
-          <p:nvPr>
-            <p:ph sz="quarter" idx="1"/>
-          </p:nvPr>
-        </p:nvSpPr>
-        <p:spPr>
-          <a:xfrm>
-            <a:off x="304800" y="914400"/>
-            <a:ext cx="8305800" cy="5715000"/>
-          </a:xfrm>
-        </p:spPr>
-        <p:txBody>
-          <a:bodyPr>
-            <a:normAutofit fontScale="92500" lnSpcReduction="20000"/>
-          </a:bodyPr>
-          <a:lstStyle/>
-          <a:p>
-            <a:pPr lvl="0"/>
-            <a:r>
-              <a:rPr lang="en-US" dirty="0" smtClean="0"/>
-              <a:t>User </a:t>
-            </a:r>
-            <a:r>
-              <a:rPr lang="en-US" dirty="0"/>
-              <a:t>Authentication</a:t>
-            </a:r>
-          </a:p>
-          <a:p>
-            <a:pPr marL="457200" lvl="0" indent="-457200">
-              <a:buFont typeface="+mj-lt"/>
-              <a:buAutoNum type="arabicPeriod"/>
+              <a:t>User can see the latest songs</a:t>
+            </a:r>
+          </a:p>
+          <a:p>
+            <a:pPr marL="0" indent="0">
+              <a:buNone/>
             </a:pPr>
-            <a:r>
-              <a:rPr lang="en-US" dirty="0"/>
-              <a:t>User registration and login</a:t>
-            </a:r>
-          </a:p>
-          <a:p>
-            <a:pPr marL="457200" lvl="0" indent="-457200">
-              <a:buFont typeface="+mj-lt"/>
-              <a:buAutoNum type="arabicPeriod"/>
-            </a:pPr>
-            <a:r>
-              <a:rPr lang="en-US" dirty="0"/>
-              <a:t>Profile </a:t>
-            </a:r>
-            <a:r>
-              <a:rPr lang="en-US" dirty="0" smtClean="0"/>
-              <a:t>management</a:t>
-            </a:r>
-            <a:endParaRPr lang="en-US" dirty="0"/>
-          </a:p>
-          <a:p>
-            <a:pPr lvl="0"/>
-            <a:r>
-              <a:rPr lang="en-US" dirty="0"/>
-              <a:t>Music Management</a:t>
-            </a:r>
-          </a:p>
-          <a:p>
-            <a:pPr marL="457200" lvl="0" indent="-457200">
-              <a:buFont typeface="+mj-lt"/>
-              <a:buAutoNum type="arabicPeriod"/>
-            </a:pPr>
-            <a:r>
-              <a:rPr lang="en-US" dirty="0"/>
-              <a:t>Upload and manage </a:t>
-            </a:r>
-            <a:r>
-              <a:rPr lang="en-US" dirty="0" smtClean="0"/>
-              <a:t>songs</a:t>
-            </a:r>
-            <a:r>
-              <a:rPr lang="en-US" dirty="0"/>
-              <a:t> </a:t>
-            </a:r>
-          </a:p>
-          <a:p>
-            <a:pPr lvl="0"/>
-            <a:r>
-              <a:rPr lang="en-US" dirty="0"/>
-              <a:t>User Management</a:t>
-            </a:r>
-          </a:p>
-          <a:p>
-            <a:pPr marL="457200" lvl="0" indent="-457200">
-              <a:buFont typeface="+mj-lt"/>
-              <a:buAutoNum type="arabicPeriod"/>
-            </a:pPr>
-            <a:r>
-              <a:rPr lang="en-US" dirty="0"/>
-              <a:t>View and mange user </a:t>
-            </a:r>
-            <a:r>
-              <a:rPr lang="en-US" dirty="0" smtClean="0"/>
-              <a:t>profiles</a:t>
-            </a:r>
-            <a:r>
-              <a:rPr lang="en-US" dirty="0"/>
-              <a:t> </a:t>
-            </a:r>
-          </a:p>
-          <a:p>
-            <a:pPr lvl="0"/>
-            <a:r>
-              <a:rPr lang="en-US" dirty="0"/>
-              <a:t>Music Search And Filter</a:t>
-            </a:r>
-          </a:p>
-          <a:p>
-            <a:pPr marL="457200" lvl="0" indent="-457200">
-              <a:buFont typeface="+mj-lt"/>
-              <a:buAutoNum type="arabicPeriod"/>
-            </a:pPr>
-            <a:r>
-              <a:rPr lang="en-US" dirty="0"/>
-              <a:t>Allow users to search for songs  </a:t>
-            </a:r>
-          </a:p>
-          <a:p>
-            <a:pPr lvl="0"/>
-            <a:r>
-              <a:rPr lang="en-US" dirty="0"/>
-              <a:t>Add to playlist</a:t>
-            </a:r>
-          </a:p>
-          <a:p>
-            <a:pPr marL="457200" lvl="0" indent="-457200">
-              <a:buFont typeface="+mj-lt"/>
-              <a:buAutoNum type="arabicPeriod"/>
-            </a:pPr>
-            <a:r>
-              <a:rPr lang="en-US" dirty="0"/>
-              <a:t>Adding favorite songs to playlist  </a:t>
-            </a:r>
-          </a:p>
-          <a:p>
-            <a:pPr lvl="0"/>
-            <a:r>
-              <a:rPr lang="en-US" dirty="0"/>
-              <a:t>Latest songs</a:t>
-            </a:r>
-          </a:p>
-          <a:p>
-            <a:pPr marL="457200" lvl="0" indent="-457200">
-              <a:buFont typeface="+mj-lt"/>
-              <a:buAutoNum type="arabicPeriod"/>
-            </a:pPr>
-            <a:r>
-              <a:rPr lang="en-US" dirty="0"/>
-              <a:t>New and latest songs added by the admin is </a:t>
-            </a:r>
-            <a:r>
-              <a:rPr lang="en-US" dirty="0" smtClean="0"/>
-              <a:t>displayed</a:t>
-            </a:r>
-            <a:r>
-              <a:rPr lang="en-US" dirty="0"/>
-              <a:t> </a:t>
-            </a:r>
-          </a:p>
-          <a:p>
-            <a:pPr lvl="0"/>
-            <a:r>
-              <a:rPr lang="en-US" dirty="0"/>
-              <a:t>All songs</a:t>
-            </a:r>
-          </a:p>
-          <a:p>
-            <a:pPr marL="457200" lvl="0" indent="-457200">
-              <a:buFont typeface="+mj-lt"/>
-              <a:buAutoNum type="arabicPeriod"/>
-            </a:pPr>
-            <a:r>
-              <a:rPr lang="en-US" dirty="0"/>
-              <a:t>It displays all songs in the </a:t>
-            </a:r>
-            <a:r>
-              <a:rPr lang="en-US" dirty="0" smtClean="0"/>
-              <a:t>website</a:t>
-            </a:r>
-            <a:endParaRPr lang="en-US" dirty="0"/>
-          </a:p>
-          <a:p>
-            <a:pPr lvl="0"/>
-            <a:r>
-              <a:rPr lang="en-US" dirty="0"/>
-              <a:t>Mobile responsiveness and accessibility</a:t>
-            </a:r>
-          </a:p>
-          <a:p>
-            <a:endParaRPr lang="en-US" dirty="0"/>
-          </a:p>
-        </p:txBody>
-      </p:sp>
-    </p:spTree>
-    <p:extLst>
-      <p:ext uri="{BB962C8B-B14F-4D97-AF65-F5344CB8AC3E}">
-        <p14:creationId xmlns:p14="http://schemas.microsoft.com/office/powerpoint/2010/main" val="53734096"/>
-      </p:ext>
-    </p:extLst>
-  </p:cSld>
-  <p:clrMapOvr>
-    <a:masterClrMapping/>
-  </p:clrMapOvr>
-</p:sld>
-</file>
-
-<file path=ppt/slides/slide7.xml><?xml version="1.0" encoding="utf-8"?>
-<p:sld xmlns:a="http://schemas.openxmlformats.org/drawingml/2006/main" xmlns:r="http://schemas.openxmlformats.org/officeDocument/2006/relationships" xmlns:p="http://schemas.openxmlformats.org/presentationml/2006/main">
-  <p:cSld>
-    <p:spTree>
-      <p:nvGrpSpPr>
-        <p:cNvPr id="1" name=""/>
-        <p:cNvGrpSpPr/>
-        <p:nvPr/>
-      </p:nvGrpSpPr>
-      <p:grpSpPr>
-        <a:xfrm>
-          <a:off x="0" y="0"/>
-          <a:ext cx="0" cy="0"/>
-          <a:chOff x="0" y="0"/>
-          <a:chExt cx="0" cy="0"/>
-        </a:xfrm>
-      </p:grpSpPr>
-      <p:sp>
-        <p:nvSpPr>
-          <p:cNvPr id="2" name="Title 1"/>
-          <p:cNvSpPr>
-            <a:spLocks noGrp="1"/>
-          </p:cNvSpPr>
-          <p:nvPr>
-            <p:ph type="title"/>
-          </p:nvPr>
-        </p:nvSpPr>
-        <p:spPr/>
-        <p:txBody>
-          <a:bodyPr/>
-          <a:lstStyle/>
-          <a:p>
-            <a:r>
-              <a:rPr lang="en-US" dirty="0" smtClean="0"/>
-              <a:t>Class diagram</a:t>
-            </a:r>
             <a:endParaRPr lang="en-US" dirty="0"/>
           </a:p>
         </p:txBody>
       </p:sp>
       <p:pic>
         <p:nvPicPr>
-          <p:cNvPr id="1026" name="Picture 2"/>
+          <p:cNvPr id="2050" name="Picture 2"/>
           <p:cNvPicPr>
-            <a:picLocks noGrp="1" noChangeAspect="1" noChangeArrowheads="1"/>
+            <a:picLocks noChangeAspect="1" noChangeArrowheads="1"/>
           </p:cNvPicPr>
-          <p:nvPr>
-            <p:ph sz="quarter" idx="1"/>
-          </p:nvPr>
+          <p:nvPr/>
         </p:nvPicPr>
         <p:blipFill>
-          <a:blip r:embed="rId2">
+          <a:blip r:embed="rId2" cstate="print">
             <a:extLst>
               <a:ext uri="{28A0092B-C50C-407E-A947-70E740481C1C}">
                 <a14:useLocalDpi xmlns:a14="http://schemas.microsoft.com/office/drawing/2010/main" val="0"/>
@@ -6037,8 +5725,8 @@
         </p:blipFill>
         <p:spPr bwMode="auto">
           <a:xfrm>
-            <a:off x="1695937" y="1600200"/>
-            <a:ext cx="4990126" cy="4873625"/>
+            <a:off x="312174" y="3124200"/>
+            <a:ext cx="3733800" cy="1524000"/>
           </a:xfrm>
           <a:prstGeom prst="rect">
             <a:avLst/>
@@ -6078,10 +5766,1447 @@
           </a:extLst>
         </p:spPr>
       </p:pic>
+      <p:pic>
+        <p:nvPicPr>
+          <p:cNvPr id="2051" name="Picture 3"/>
+          <p:cNvPicPr>
+            <a:picLocks noChangeAspect="1" noChangeArrowheads="1"/>
+          </p:cNvPicPr>
+          <p:nvPr/>
+        </p:nvPicPr>
+        <p:blipFill>
+          <a:blip r:embed="rId3" cstate="print">
+            <a:extLst>
+              <a:ext uri="{28A0092B-C50C-407E-A947-70E740481C1C}">
+                <a14:useLocalDpi xmlns:a14="http://schemas.microsoft.com/office/drawing/2010/main" val="0"/>
+              </a:ext>
+            </a:extLst>
+          </a:blip>
+          <a:srcRect/>
+          <a:stretch>
+            <a:fillRect/>
+          </a:stretch>
+        </p:blipFill>
+        <p:spPr bwMode="auto">
+          <a:xfrm>
+            <a:off x="4419600" y="3161071"/>
+            <a:ext cx="3581400" cy="1487129"/>
+          </a:xfrm>
+          <a:prstGeom prst="rect">
+            <a:avLst/>
+          </a:prstGeom>
+          <a:noFill/>
+          <a:ln>
+            <a:noFill/>
+          </a:ln>
+          <a:effectLst/>
+          <a:extLst>
+            <a:ext uri="{909E8E84-426E-40DD-AFC4-6F175D3DCCD1}">
+              <a14:hiddenFill xmlns:a14="http://schemas.microsoft.com/office/drawing/2010/main">
+                <a:solidFill>
+                  <a:schemeClr val="accent1"/>
+                </a:solidFill>
+              </a14:hiddenFill>
+            </a:ext>
+            <a:ext uri="{91240B29-F687-4F45-9708-019B960494DF}">
+              <a14:hiddenLine xmlns:a14="http://schemas.microsoft.com/office/drawing/2010/main" w="9525">
+                <a:solidFill>
+                  <a:schemeClr val="tx1"/>
+                </a:solidFill>
+                <a:miter lim="800000"/>
+                <a:headEnd/>
+                <a:tailEnd/>
+              </a14:hiddenLine>
+            </a:ext>
+            <a:ext uri="{AF507438-7753-43E0-B8FC-AC1667EBCBE1}">
+              <a14:hiddenEffects xmlns:a14="http://schemas.microsoft.com/office/drawing/2010/main">
+                <a:effectLst>
+                  <a:outerShdw dist="35921" dir="2700000" algn="ctr" rotWithShape="0">
+                    <a:schemeClr val="bg2"/>
+                  </a:outerShdw>
+                </a:effectLst>
+              </a14:hiddenEffects>
+            </a:ext>
+          </a:extLst>
+        </p:spPr>
+      </p:pic>
+    </p:spTree>
+    <p:extLst>
+      <p:ext uri="{BB962C8B-B14F-4D97-AF65-F5344CB8AC3E}">
+        <p14:creationId xmlns:p14="http://schemas.microsoft.com/office/powerpoint/2010/main" val="1775107110"/>
+      </p:ext>
+    </p:extLst>
+  </p:cSld>
+  <p:clrMapOvr>
+    <a:masterClrMapping/>
+  </p:clrMapOvr>
+</p:sld>
+</file>
+
+<file path=ppt/slides/slide11.xml><?xml version="1.0" encoding="utf-8"?>
+<p:sld xmlns:a="http://schemas.openxmlformats.org/drawingml/2006/main" xmlns:r="http://schemas.openxmlformats.org/officeDocument/2006/relationships" xmlns:p="http://schemas.openxmlformats.org/presentationml/2006/main">
+  <p:cSld>
+    <p:spTree>
+      <p:nvGrpSpPr>
+        <p:cNvPr id="1" name=""/>
+        <p:cNvGrpSpPr/>
+        <p:nvPr/>
+      </p:nvGrpSpPr>
+      <p:grpSpPr>
+        <a:xfrm>
+          <a:off x="0" y="0"/>
+          <a:ext cx="0" cy="0"/>
+          <a:chOff x="0" y="0"/>
+          <a:chExt cx="0" cy="0"/>
+        </a:xfrm>
+      </p:grpSpPr>
+      <p:sp>
+        <p:nvSpPr>
+          <p:cNvPr id="2" name="Title 1"/>
+          <p:cNvSpPr>
+            <a:spLocks noGrp="1"/>
+          </p:cNvSpPr>
+          <p:nvPr>
+            <p:ph type="title"/>
+          </p:nvPr>
+        </p:nvSpPr>
+        <p:spPr/>
+        <p:txBody>
+          <a:bodyPr/>
+          <a:lstStyle/>
+          <a:p>
+            <a:r>
+              <a:rPr lang="en-US" dirty="0" smtClean="0">
+                <a:solidFill>
+                  <a:schemeClr val="tx1"/>
+                </a:solidFill>
+              </a:rPr>
+              <a:t>FUTURE ENHANCEMENT</a:t>
+            </a:r>
+            <a:endParaRPr lang="en-US" dirty="0">
+              <a:solidFill>
+                <a:schemeClr val="tx1"/>
+              </a:solidFill>
+            </a:endParaRPr>
+          </a:p>
+        </p:txBody>
+      </p:sp>
+      <p:sp>
+        <p:nvSpPr>
+          <p:cNvPr id="3" name="Content Placeholder 2"/>
+          <p:cNvSpPr>
+            <a:spLocks noGrp="1"/>
+          </p:cNvSpPr>
+          <p:nvPr>
+            <p:ph sz="quarter" idx="1"/>
+          </p:nvPr>
+        </p:nvSpPr>
+        <p:spPr/>
+        <p:txBody>
+          <a:bodyPr/>
+          <a:lstStyle/>
+          <a:p>
+            <a:pPr>
+              <a:lnSpc>
+                <a:spcPct val="150000"/>
+              </a:lnSpc>
+            </a:pPr>
+            <a:r>
+              <a:rPr lang="en-US" dirty="0" smtClean="0"/>
+              <a:t>Payment integration</a:t>
+            </a:r>
+          </a:p>
+          <a:p>
+            <a:pPr>
+              <a:lnSpc>
+                <a:spcPct val="150000"/>
+              </a:lnSpc>
+            </a:pPr>
+            <a:r>
+              <a:rPr lang="en-US" dirty="0" smtClean="0"/>
+              <a:t>Advanced Research and filtering</a:t>
+            </a:r>
+          </a:p>
+          <a:p>
+            <a:pPr>
+              <a:lnSpc>
+                <a:spcPct val="150000"/>
+              </a:lnSpc>
+            </a:pPr>
+            <a:r>
+              <a:rPr lang="en-US" dirty="0" smtClean="0"/>
+              <a:t>Interactive Community Features</a:t>
+            </a:r>
+            <a:endParaRPr lang="en-US" dirty="0"/>
+          </a:p>
+        </p:txBody>
+      </p:sp>
+    </p:spTree>
+    <p:extLst>
+      <p:ext uri="{BB962C8B-B14F-4D97-AF65-F5344CB8AC3E}">
+        <p14:creationId xmlns:p14="http://schemas.microsoft.com/office/powerpoint/2010/main" val="3544893545"/>
+      </p:ext>
+    </p:extLst>
+  </p:cSld>
+  <p:clrMapOvr>
+    <a:masterClrMapping/>
+  </p:clrMapOvr>
+</p:sld>
+</file>
+
+<file path=ppt/slides/slide12.xml><?xml version="1.0" encoding="utf-8"?>
+<p:sld xmlns:a="http://schemas.openxmlformats.org/drawingml/2006/main" xmlns:r="http://schemas.openxmlformats.org/officeDocument/2006/relationships" xmlns:p="http://schemas.openxmlformats.org/presentationml/2006/main">
+  <p:cSld>
+    <p:spTree>
+      <p:nvGrpSpPr>
+        <p:cNvPr id="1" name=""/>
+        <p:cNvGrpSpPr/>
+        <p:nvPr/>
+      </p:nvGrpSpPr>
+      <p:grpSpPr>
+        <a:xfrm>
+          <a:off x="0" y="0"/>
+          <a:ext cx="0" cy="0"/>
+          <a:chOff x="0" y="0"/>
+          <a:chExt cx="0" cy="0"/>
+        </a:xfrm>
+      </p:grpSpPr>
+      <p:sp>
+        <p:nvSpPr>
+          <p:cNvPr id="2" name="Title 1"/>
+          <p:cNvSpPr>
+            <a:spLocks noGrp="1"/>
+          </p:cNvSpPr>
+          <p:nvPr>
+            <p:ph type="title"/>
+          </p:nvPr>
+        </p:nvSpPr>
+        <p:spPr>
+          <a:xfrm>
+            <a:off x="457200" y="274638"/>
+            <a:ext cx="7467600" cy="792162"/>
+          </a:xfrm>
+        </p:spPr>
+        <p:txBody>
+          <a:bodyPr/>
+          <a:lstStyle/>
+          <a:p>
+            <a:r>
+              <a:rPr lang="en-US" dirty="0" smtClean="0">
+                <a:solidFill>
+                  <a:schemeClr val="tx1"/>
+                </a:solidFill>
+              </a:rPr>
+              <a:t>CONCLUSION</a:t>
+            </a:r>
+            <a:endParaRPr lang="en-US" dirty="0">
+              <a:solidFill>
+                <a:schemeClr val="tx1"/>
+              </a:solidFill>
+            </a:endParaRPr>
+          </a:p>
+        </p:txBody>
+      </p:sp>
+      <p:sp>
+        <p:nvSpPr>
+          <p:cNvPr id="3" name="Content Placeholder 2"/>
+          <p:cNvSpPr>
+            <a:spLocks noGrp="1"/>
+          </p:cNvSpPr>
+          <p:nvPr>
+            <p:ph sz="quarter" idx="1"/>
+          </p:nvPr>
+        </p:nvSpPr>
+        <p:spPr>
+          <a:xfrm>
+            <a:off x="457200" y="1066800"/>
+            <a:ext cx="7848600" cy="5334000"/>
+          </a:xfrm>
+        </p:spPr>
+        <p:txBody>
+          <a:bodyPr>
+            <a:normAutofit fontScale="92500"/>
+          </a:bodyPr>
+          <a:lstStyle/>
+          <a:p>
+            <a:pPr algn="just"/>
+            <a:r>
+              <a:rPr lang="en-US" dirty="0"/>
+              <a:t>In conclusion, the music streaming website project aims to provide a comprehensive platform for users to explore, listen to, and enjoy their favorite music online. Throughout the presentation, we have covered various aspects of the project, highlighting its key features, technical requirements, and the challenges faced during development.  </a:t>
+            </a:r>
+          </a:p>
+          <a:p>
+            <a:pPr algn="just"/>
+            <a:r>
+              <a:rPr lang="en-US" dirty="0"/>
+              <a:t>The music streaming website offers a user-friendly interface with intuitive navigation, allowing users to discover and browse through a vast collection of songs from different genres and artists. The website incorporates features such as search functionality, song categorization, and personalized recommendations, enhancing the user experience and ensuring that users can easily find the music they love.</a:t>
+            </a:r>
+          </a:p>
+          <a:p>
+            <a:pPr algn="just"/>
+            <a:endParaRPr lang="en-US" dirty="0"/>
+          </a:p>
+        </p:txBody>
+      </p:sp>
+    </p:spTree>
+    <p:extLst>
+      <p:ext uri="{BB962C8B-B14F-4D97-AF65-F5344CB8AC3E}">
+        <p14:creationId xmlns:p14="http://schemas.microsoft.com/office/powerpoint/2010/main" val="2364862970"/>
+      </p:ext>
+    </p:extLst>
+  </p:cSld>
+  <p:clrMapOvr>
+    <a:masterClrMapping/>
+  </p:clrMapOvr>
+</p:sld>
+</file>
+
+<file path=ppt/slides/slide13.xml><?xml version="1.0" encoding="utf-8"?>
+<p:sld xmlns:a="http://schemas.openxmlformats.org/drawingml/2006/main" xmlns:r="http://schemas.openxmlformats.org/officeDocument/2006/relationships" xmlns:p="http://schemas.openxmlformats.org/presentationml/2006/main">
+  <p:cSld>
+    <p:spTree>
+      <p:nvGrpSpPr>
+        <p:cNvPr id="1" name=""/>
+        <p:cNvGrpSpPr/>
+        <p:nvPr/>
+      </p:nvGrpSpPr>
+      <p:grpSpPr>
+        <a:xfrm>
+          <a:off x="0" y="0"/>
+          <a:ext cx="0" cy="0"/>
+          <a:chOff x="0" y="0"/>
+          <a:chExt cx="0" cy="0"/>
+        </a:xfrm>
+      </p:grpSpPr>
+      <p:sp>
+        <p:nvSpPr>
+          <p:cNvPr id="2" name="Title 1"/>
+          <p:cNvSpPr>
+            <a:spLocks noGrp="1"/>
+          </p:cNvSpPr>
+          <p:nvPr>
+            <p:ph type="title"/>
+          </p:nvPr>
+        </p:nvSpPr>
+        <p:spPr>
+          <a:xfrm>
+            <a:off x="762000" y="2286000"/>
+            <a:ext cx="7467600" cy="1143000"/>
+          </a:xfrm>
+        </p:spPr>
+        <p:txBody>
+          <a:bodyPr>
+            <a:noAutofit/>
+          </a:bodyPr>
+          <a:lstStyle/>
+          <a:p>
+            <a:pPr algn="ctr"/>
+            <a:r>
+              <a:rPr lang="en-US" sz="8000" dirty="0" smtClean="0">
+                <a:solidFill>
+                  <a:schemeClr val="tx1"/>
+                </a:solidFill>
+              </a:rPr>
+              <a:t>THANK YOU</a:t>
+            </a:r>
+            <a:endParaRPr lang="en-US" sz="8000" dirty="0">
+              <a:solidFill>
+                <a:schemeClr val="tx1"/>
+              </a:solidFill>
+            </a:endParaRPr>
+          </a:p>
+        </p:txBody>
+      </p:sp>
+    </p:spTree>
+    <p:extLst>
+      <p:ext uri="{BB962C8B-B14F-4D97-AF65-F5344CB8AC3E}">
+        <p14:creationId xmlns:p14="http://schemas.microsoft.com/office/powerpoint/2010/main" val="4197887244"/>
+      </p:ext>
+    </p:extLst>
+  </p:cSld>
+  <p:clrMapOvr>
+    <a:masterClrMapping/>
+  </p:clrMapOvr>
+</p:sld>
+</file>
+
+<file path=ppt/slides/slide2.xml><?xml version="1.0" encoding="utf-8"?>
+<p:sld xmlns:a="http://schemas.openxmlformats.org/drawingml/2006/main" xmlns:r="http://schemas.openxmlformats.org/officeDocument/2006/relationships" xmlns:p="http://schemas.openxmlformats.org/presentationml/2006/main">
+  <p:cSld>
+    <p:spTree>
+      <p:nvGrpSpPr>
+        <p:cNvPr id="1" name=""/>
+        <p:cNvGrpSpPr/>
+        <p:nvPr/>
+      </p:nvGrpSpPr>
+      <p:grpSpPr>
+        <a:xfrm>
+          <a:off x="0" y="0"/>
+          <a:ext cx="0" cy="0"/>
+          <a:chOff x="0" y="0"/>
+          <a:chExt cx="0" cy="0"/>
+        </a:xfrm>
+      </p:grpSpPr>
+      <p:sp>
+        <p:nvSpPr>
+          <p:cNvPr id="2" name="Title 1"/>
+          <p:cNvSpPr>
+            <a:spLocks noGrp="1"/>
+          </p:cNvSpPr>
+          <p:nvPr>
+            <p:ph type="title"/>
+          </p:nvPr>
+        </p:nvSpPr>
+        <p:spPr>
+          <a:xfrm>
+            <a:off x="381000" y="304800"/>
+            <a:ext cx="7467600" cy="579438"/>
+          </a:xfrm>
+        </p:spPr>
+        <p:txBody>
+          <a:bodyPr/>
+          <a:lstStyle/>
+          <a:p>
+            <a:pPr algn="ctr"/>
+            <a:r>
+              <a:rPr lang="en-US" dirty="0" smtClean="0">
+                <a:solidFill>
+                  <a:schemeClr val="tx1"/>
+                </a:solidFill>
+              </a:rPr>
+              <a:t>ABSTRACT</a:t>
+            </a:r>
+            <a:endParaRPr lang="en-US" dirty="0">
+              <a:solidFill>
+                <a:schemeClr val="tx1"/>
+              </a:solidFill>
+            </a:endParaRPr>
+          </a:p>
+        </p:txBody>
+      </p:sp>
+      <p:sp>
+        <p:nvSpPr>
+          <p:cNvPr id="3" name="Content Placeholder 2"/>
+          <p:cNvSpPr>
+            <a:spLocks noGrp="1"/>
+          </p:cNvSpPr>
+          <p:nvPr>
+            <p:ph sz="quarter" idx="1"/>
+          </p:nvPr>
+        </p:nvSpPr>
+        <p:spPr>
+          <a:xfrm>
+            <a:off x="457200" y="1143000"/>
+            <a:ext cx="8077200" cy="5330952"/>
+          </a:xfrm>
+        </p:spPr>
+        <p:txBody>
+          <a:bodyPr>
+            <a:normAutofit/>
+          </a:bodyPr>
+          <a:lstStyle/>
+          <a:p>
+            <a:pPr marL="0" indent="0" algn="just">
+              <a:buNone/>
+            </a:pPr>
+            <a:r>
+              <a:rPr lang="en-US" dirty="0"/>
+              <a:t>It is a system that allows users to explore and listen to a wide variety of songs available on the music streaming website. The project consists of different genres and categories of music, and they are displayed in an organized manner. The user can browse through these songs and add their favorite songs to their personal collection. If the user finds a song they like, they can listen to it instantly. Once the user subscribes successfully, they gain access to a wide range of songs and exclusive content. Thus, the online music streaming project brings a comprehensive music library to users' fingertips, making it convenient and enjoyable for music lovers to discover, listen, and enjoy their favorite tunes.</a:t>
+            </a:r>
+          </a:p>
+        </p:txBody>
+      </p:sp>
+    </p:spTree>
+    <p:extLst>
+      <p:ext uri="{BB962C8B-B14F-4D97-AF65-F5344CB8AC3E}">
+        <p14:creationId xmlns:p14="http://schemas.microsoft.com/office/powerpoint/2010/main" val="3377131047"/>
+      </p:ext>
+    </p:extLst>
+  </p:cSld>
+  <p:clrMapOvr>
+    <a:masterClrMapping/>
+  </p:clrMapOvr>
+</p:sld>
+</file>
+
+<file path=ppt/slides/slide3.xml><?xml version="1.0" encoding="utf-8"?>
+<p:sld xmlns:a="http://schemas.openxmlformats.org/drawingml/2006/main" xmlns:r="http://schemas.openxmlformats.org/officeDocument/2006/relationships" xmlns:p="http://schemas.openxmlformats.org/presentationml/2006/main">
+  <p:cSld>
+    <p:spTree>
+      <p:nvGrpSpPr>
+        <p:cNvPr id="1" name=""/>
+        <p:cNvGrpSpPr/>
+        <p:nvPr/>
+      </p:nvGrpSpPr>
+      <p:grpSpPr>
+        <a:xfrm>
+          <a:off x="0" y="0"/>
+          <a:ext cx="0" cy="0"/>
+          <a:chOff x="0" y="0"/>
+          <a:chExt cx="0" cy="0"/>
+        </a:xfrm>
+      </p:grpSpPr>
+      <p:sp>
+        <p:nvSpPr>
+          <p:cNvPr id="2" name="Title 1"/>
+          <p:cNvSpPr>
+            <a:spLocks noGrp="1"/>
+          </p:cNvSpPr>
+          <p:nvPr>
+            <p:ph type="title"/>
+          </p:nvPr>
+        </p:nvSpPr>
+        <p:spPr/>
+        <p:txBody>
+          <a:bodyPr/>
+          <a:lstStyle/>
+          <a:p>
+            <a:pPr algn="ctr"/>
+            <a:r>
+              <a:rPr lang="en-US" dirty="0" smtClean="0">
+                <a:solidFill>
+                  <a:schemeClr val="tx1"/>
+                </a:solidFill>
+              </a:rPr>
+              <a:t>PROJECT REQUIREMENTS</a:t>
+            </a:r>
+            <a:endParaRPr lang="en-US" dirty="0">
+              <a:solidFill>
+                <a:schemeClr val="tx1"/>
+              </a:solidFill>
+            </a:endParaRPr>
+          </a:p>
+        </p:txBody>
+      </p:sp>
+      <p:sp>
+        <p:nvSpPr>
+          <p:cNvPr id="3" name="Content Placeholder 2"/>
+          <p:cNvSpPr>
+            <a:spLocks noGrp="1"/>
+          </p:cNvSpPr>
+          <p:nvPr>
+            <p:ph sz="quarter" idx="1"/>
+          </p:nvPr>
+        </p:nvSpPr>
+        <p:spPr>
+          <a:xfrm>
+            <a:off x="457200" y="1600200"/>
+            <a:ext cx="8077200" cy="4873752"/>
+          </a:xfrm>
+        </p:spPr>
+        <p:txBody>
+          <a:bodyPr>
+            <a:normAutofit/>
+          </a:bodyPr>
+          <a:lstStyle/>
+          <a:p>
+            <a:pPr marL="0" indent="0" algn="just">
+              <a:buNone/>
+            </a:pPr>
+            <a:endParaRPr lang="en-US" dirty="0"/>
+          </a:p>
+          <a:p>
+            <a:pPr algn="just"/>
+            <a:r>
+              <a:rPr lang="en-US" dirty="0" smtClean="0"/>
+              <a:t>User </a:t>
+            </a:r>
+            <a:r>
+              <a:rPr lang="en-US" dirty="0"/>
+              <a:t>Registration and </a:t>
+            </a:r>
+            <a:r>
+              <a:rPr lang="en-US" dirty="0" smtClean="0"/>
+              <a:t>Authentication</a:t>
+            </a:r>
+          </a:p>
+          <a:p>
+            <a:pPr algn="just"/>
+            <a:r>
+              <a:rPr lang="en-US" dirty="0" smtClean="0"/>
+              <a:t>Song Database</a:t>
+            </a:r>
+          </a:p>
+          <a:p>
+            <a:pPr algn="just"/>
+            <a:r>
+              <a:rPr lang="en-US" dirty="0" smtClean="0"/>
+              <a:t>Song Upload</a:t>
+            </a:r>
+          </a:p>
+          <a:p>
+            <a:pPr algn="just"/>
+            <a:r>
+              <a:rPr lang="en-US" dirty="0" smtClean="0"/>
+              <a:t>Song Streaming</a:t>
+            </a:r>
+          </a:p>
+          <a:p>
+            <a:pPr algn="just"/>
+            <a:r>
+              <a:rPr lang="en-US" dirty="0" smtClean="0"/>
+              <a:t>Favorites</a:t>
+            </a:r>
+          </a:p>
+          <a:p>
+            <a:pPr algn="just"/>
+            <a:r>
+              <a:rPr lang="en-US" dirty="0" smtClean="0"/>
+              <a:t>Search </a:t>
+            </a:r>
+            <a:r>
+              <a:rPr lang="en-US" dirty="0"/>
+              <a:t>and </a:t>
+            </a:r>
+            <a:r>
+              <a:rPr lang="en-US" dirty="0" smtClean="0"/>
+              <a:t>Browse</a:t>
+            </a:r>
+          </a:p>
+          <a:p>
+            <a:pPr algn="just"/>
+            <a:r>
+              <a:rPr lang="en-US" dirty="0" smtClean="0"/>
+              <a:t>Categories</a:t>
+            </a:r>
+          </a:p>
+          <a:p>
+            <a:pPr algn="just"/>
+            <a:r>
+              <a:rPr lang="en-US" dirty="0" smtClean="0"/>
+              <a:t>User Profile</a:t>
+            </a:r>
+          </a:p>
+          <a:p>
+            <a:pPr algn="just"/>
+            <a:r>
+              <a:rPr lang="en-US" dirty="0" smtClean="0"/>
+              <a:t>Mobile Compatibility</a:t>
+            </a:r>
+            <a:endParaRPr lang="en-US" dirty="0"/>
+          </a:p>
+        </p:txBody>
+      </p:sp>
+    </p:spTree>
+    <p:extLst>
+      <p:ext uri="{BB962C8B-B14F-4D97-AF65-F5344CB8AC3E}">
+        <p14:creationId xmlns:p14="http://schemas.microsoft.com/office/powerpoint/2010/main" val="249598468"/>
+      </p:ext>
+    </p:extLst>
+  </p:cSld>
+  <p:clrMapOvr>
+    <a:masterClrMapping/>
+  </p:clrMapOvr>
+</p:sld>
+</file>
+
+<file path=ppt/slides/slide4.xml><?xml version="1.0" encoding="utf-8"?>
+<p:sld xmlns:a="http://schemas.openxmlformats.org/drawingml/2006/main" xmlns:r="http://schemas.openxmlformats.org/officeDocument/2006/relationships" xmlns:p="http://schemas.openxmlformats.org/presentationml/2006/main">
+  <p:cSld>
+    <p:spTree>
+      <p:nvGrpSpPr>
+        <p:cNvPr id="1" name=""/>
+        <p:cNvGrpSpPr/>
+        <p:nvPr/>
+      </p:nvGrpSpPr>
+      <p:grpSpPr>
+        <a:xfrm>
+          <a:off x="0" y="0"/>
+          <a:ext cx="0" cy="0"/>
+          <a:chOff x="0" y="0"/>
+          <a:chExt cx="0" cy="0"/>
+        </a:xfrm>
+      </p:grpSpPr>
+      <p:sp>
+        <p:nvSpPr>
+          <p:cNvPr id="2" name="Title 1"/>
+          <p:cNvSpPr>
+            <a:spLocks noGrp="1"/>
+          </p:cNvSpPr>
+          <p:nvPr>
+            <p:ph type="title"/>
+          </p:nvPr>
+        </p:nvSpPr>
+        <p:spPr/>
+        <p:txBody>
+          <a:bodyPr/>
+          <a:lstStyle/>
+          <a:p>
+            <a:r>
+              <a:rPr lang="en-US" dirty="0" smtClean="0">
+                <a:solidFill>
+                  <a:schemeClr val="tx1"/>
+                </a:solidFill>
+              </a:rPr>
+              <a:t>Continue...</a:t>
+            </a:r>
+            <a:endParaRPr lang="en-US" dirty="0">
+              <a:solidFill>
+                <a:schemeClr val="tx1"/>
+              </a:solidFill>
+            </a:endParaRPr>
+          </a:p>
+        </p:txBody>
+      </p:sp>
+      <p:sp>
+        <p:nvSpPr>
+          <p:cNvPr id="3" name="Content Placeholder 2"/>
+          <p:cNvSpPr>
+            <a:spLocks noGrp="1"/>
+          </p:cNvSpPr>
+          <p:nvPr>
+            <p:ph sz="quarter" idx="1"/>
+          </p:nvPr>
+        </p:nvSpPr>
+        <p:spPr>
+          <a:xfrm>
+            <a:off x="457200" y="1600200"/>
+            <a:ext cx="7924800" cy="4873752"/>
+          </a:xfrm>
+        </p:spPr>
+        <p:txBody>
+          <a:bodyPr>
+            <a:normAutofit/>
+          </a:bodyPr>
+          <a:lstStyle/>
+          <a:p>
+            <a:pPr algn="just"/>
+            <a:r>
+              <a:rPr lang="en-US" dirty="0"/>
+              <a:t>Performance and </a:t>
+            </a:r>
+            <a:r>
+              <a:rPr lang="en-US" dirty="0" smtClean="0"/>
+              <a:t>Scalability</a:t>
+            </a:r>
+          </a:p>
+          <a:p>
+            <a:pPr algn="just"/>
+            <a:r>
+              <a:rPr lang="en-US" dirty="0" smtClean="0"/>
+              <a:t>Security</a:t>
+            </a:r>
+          </a:p>
+          <a:p>
+            <a:pPr algn="just"/>
+            <a:r>
+              <a:rPr lang="en-US" dirty="0" smtClean="0"/>
+              <a:t>Analytics </a:t>
+            </a:r>
+            <a:r>
+              <a:rPr lang="en-US" dirty="0"/>
+              <a:t>and </a:t>
+            </a:r>
+            <a:r>
+              <a:rPr lang="en-US" dirty="0" smtClean="0"/>
+              <a:t>Reporting</a:t>
+            </a:r>
+            <a:endParaRPr lang="en-US" dirty="0"/>
+          </a:p>
+          <a:p>
+            <a:pPr algn="just"/>
+            <a:endParaRPr lang="en-US" dirty="0"/>
+          </a:p>
+          <a:p>
+            <a:pPr algn="just"/>
+            <a:endParaRPr lang="en-US" dirty="0"/>
+          </a:p>
+        </p:txBody>
+      </p:sp>
+    </p:spTree>
+    <p:extLst>
+      <p:ext uri="{BB962C8B-B14F-4D97-AF65-F5344CB8AC3E}">
+        <p14:creationId xmlns:p14="http://schemas.microsoft.com/office/powerpoint/2010/main" val="3808504862"/>
+      </p:ext>
+    </p:extLst>
+  </p:cSld>
+  <p:clrMapOvr>
+    <a:masterClrMapping/>
+  </p:clrMapOvr>
+</p:sld>
+</file>
+
+<file path=ppt/slides/slide5.xml><?xml version="1.0" encoding="utf-8"?>
+<p:sld xmlns:a="http://schemas.openxmlformats.org/drawingml/2006/main" xmlns:r="http://schemas.openxmlformats.org/officeDocument/2006/relationships" xmlns:p="http://schemas.openxmlformats.org/presentationml/2006/main">
+  <p:cSld>
+    <p:spTree>
+      <p:nvGrpSpPr>
+        <p:cNvPr id="1" name=""/>
+        <p:cNvGrpSpPr/>
+        <p:nvPr/>
+      </p:nvGrpSpPr>
+      <p:grpSpPr>
+        <a:xfrm>
+          <a:off x="0" y="0"/>
+          <a:ext cx="0" cy="0"/>
+          <a:chOff x="0" y="0"/>
+          <a:chExt cx="0" cy="0"/>
+        </a:xfrm>
+      </p:grpSpPr>
+      <p:sp>
+        <p:nvSpPr>
+          <p:cNvPr id="2" name="Title 1"/>
+          <p:cNvSpPr>
+            <a:spLocks noGrp="1"/>
+          </p:cNvSpPr>
+          <p:nvPr>
+            <p:ph type="title"/>
+          </p:nvPr>
+        </p:nvSpPr>
+        <p:spPr>
+          <a:xfrm>
+            <a:off x="457200" y="152400"/>
+            <a:ext cx="7467600" cy="639762"/>
+          </a:xfrm>
+        </p:spPr>
+        <p:txBody>
+          <a:bodyPr/>
+          <a:lstStyle/>
+          <a:p>
+            <a:r>
+              <a:rPr lang="en-US" b="1" dirty="0">
+                <a:solidFill>
+                  <a:schemeClr val="tx1"/>
+                </a:solidFill>
+              </a:rPr>
+              <a:t>REQUIREMENTS </a:t>
+            </a:r>
+            <a:r>
+              <a:rPr lang="en-US" b="1" dirty="0" smtClean="0">
+                <a:solidFill>
+                  <a:schemeClr val="tx1"/>
+                </a:solidFill>
+              </a:rPr>
+              <a:t>LIST</a:t>
+            </a:r>
+            <a:endParaRPr lang="en-US" dirty="0">
+              <a:solidFill>
+                <a:schemeClr val="tx1"/>
+              </a:solidFill>
+            </a:endParaRPr>
+          </a:p>
+        </p:txBody>
+      </p:sp>
+      <p:sp>
+        <p:nvSpPr>
+          <p:cNvPr id="3" name="Content Placeholder 2"/>
+          <p:cNvSpPr>
+            <a:spLocks noGrp="1"/>
+          </p:cNvSpPr>
+          <p:nvPr>
+            <p:ph sz="quarter" idx="1"/>
+          </p:nvPr>
+        </p:nvSpPr>
+        <p:spPr>
+          <a:xfrm>
+            <a:off x="304800" y="914400"/>
+            <a:ext cx="8305800" cy="5715000"/>
+          </a:xfrm>
+        </p:spPr>
+        <p:txBody>
+          <a:bodyPr>
+            <a:normAutofit fontScale="92500" lnSpcReduction="20000"/>
+          </a:bodyPr>
+          <a:lstStyle/>
+          <a:p>
+            <a:pPr lvl="0"/>
+            <a:r>
+              <a:rPr lang="en-US" dirty="0" smtClean="0"/>
+              <a:t>User </a:t>
+            </a:r>
+            <a:r>
+              <a:rPr lang="en-US" dirty="0"/>
+              <a:t>Authentication</a:t>
+            </a:r>
+          </a:p>
+          <a:p>
+            <a:pPr marL="457200" lvl="0" indent="-457200">
+              <a:buFont typeface="+mj-lt"/>
+              <a:buAutoNum type="arabicPeriod"/>
+            </a:pPr>
+            <a:r>
+              <a:rPr lang="en-US" dirty="0"/>
+              <a:t>User registration and login</a:t>
+            </a:r>
+          </a:p>
+          <a:p>
+            <a:pPr marL="457200" lvl="0" indent="-457200">
+              <a:buFont typeface="+mj-lt"/>
+              <a:buAutoNum type="arabicPeriod"/>
+            </a:pPr>
+            <a:r>
+              <a:rPr lang="en-US" dirty="0"/>
+              <a:t>Profile </a:t>
+            </a:r>
+            <a:r>
+              <a:rPr lang="en-US" dirty="0" smtClean="0"/>
+              <a:t>management</a:t>
+            </a:r>
+            <a:endParaRPr lang="en-US" dirty="0"/>
+          </a:p>
+          <a:p>
+            <a:pPr lvl="0"/>
+            <a:r>
+              <a:rPr lang="en-US" dirty="0"/>
+              <a:t>Music Management</a:t>
+            </a:r>
+          </a:p>
+          <a:p>
+            <a:pPr marL="457200" lvl="0" indent="-457200">
+              <a:buFont typeface="+mj-lt"/>
+              <a:buAutoNum type="arabicPeriod"/>
+            </a:pPr>
+            <a:r>
+              <a:rPr lang="en-US" dirty="0"/>
+              <a:t>Upload and manage </a:t>
+            </a:r>
+            <a:r>
+              <a:rPr lang="en-US" dirty="0" smtClean="0"/>
+              <a:t>songs</a:t>
+            </a:r>
+            <a:r>
+              <a:rPr lang="en-US" dirty="0"/>
+              <a:t> </a:t>
+            </a:r>
+          </a:p>
+          <a:p>
+            <a:pPr lvl="0"/>
+            <a:r>
+              <a:rPr lang="en-US" dirty="0"/>
+              <a:t>User Management</a:t>
+            </a:r>
+          </a:p>
+          <a:p>
+            <a:pPr marL="457200" lvl="0" indent="-457200">
+              <a:buFont typeface="+mj-lt"/>
+              <a:buAutoNum type="arabicPeriod"/>
+            </a:pPr>
+            <a:r>
+              <a:rPr lang="en-US" dirty="0"/>
+              <a:t>View and mange user </a:t>
+            </a:r>
+            <a:r>
+              <a:rPr lang="en-US" dirty="0" smtClean="0"/>
+              <a:t>profiles</a:t>
+            </a:r>
+            <a:r>
+              <a:rPr lang="en-US" dirty="0"/>
+              <a:t> </a:t>
+            </a:r>
+          </a:p>
+          <a:p>
+            <a:pPr lvl="0"/>
+            <a:r>
+              <a:rPr lang="en-US" dirty="0"/>
+              <a:t>Music Search And Filter</a:t>
+            </a:r>
+          </a:p>
+          <a:p>
+            <a:pPr marL="457200" lvl="0" indent="-457200">
+              <a:buFont typeface="+mj-lt"/>
+              <a:buAutoNum type="arabicPeriod"/>
+            </a:pPr>
+            <a:r>
+              <a:rPr lang="en-US" dirty="0"/>
+              <a:t>Allow users to search for songs  </a:t>
+            </a:r>
+          </a:p>
+          <a:p>
+            <a:pPr lvl="0"/>
+            <a:r>
+              <a:rPr lang="en-US" dirty="0"/>
+              <a:t>Add to </a:t>
+            </a:r>
+            <a:r>
+              <a:rPr lang="en-US" dirty="0" smtClean="0"/>
+              <a:t>favorites</a:t>
+            </a:r>
+            <a:endParaRPr lang="en-US" dirty="0"/>
+          </a:p>
+          <a:p>
+            <a:pPr marL="457200" lvl="0" indent="-457200">
+              <a:buFont typeface="+mj-lt"/>
+              <a:buAutoNum type="arabicPeriod"/>
+            </a:pPr>
+            <a:r>
+              <a:rPr lang="en-US" dirty="0"/>
+              <a:t>Adding favorite songs </a:t>
+            </a:r>
+            <a:r>
+              <a:rPr lang="en-US" dirty="0" smtClean="0"/>
+              <a:t>to favorite songs </a:t>
+            </a:r>
+            <a:r>
+              <a:rPr lang="en-US" dirty="0"/>
+              <a:t> </a:t>
+            </a:r>
+          </a:p>
+          <a:p>
+            <a:pPr lvl="0"/>
+            <a:r>
+              <a:rPr lang="en-US" dirty="0"/>
+              <a:t>Latest songs</a:t>
+            </a:r>
+          </a:p>
+          <a:p>
+            <a:pPr marL="457200" lvl="0" indent="-457200">
+              <a:buFont typeface="+mj-lt"/>
+              <a:buAutoNum type="arabicPeriod"/>
+            </a:pPr>
+            <a:r>
+              <a:rPr lang="en-US" dirty="0"/>
+              <a:t>New and latest songs added by the admin is </a:t>
+            </a:r>
+            <a:r>
+              <a:rPr lang="en-US" dirty="0" smtClean="0"/>
+              <a:t>displayed</a:t>
+            </a:r>
+            <a:r>
+              <a:rPr lang="en-US" dirty="0"/>
+              <a:t> </a:t>
+            </a:r>
+          </a:p>
+          <a:p>
+            <a:pPr lvl="0"/>
+            <a:r>
+              <a:rPr lang="en-US" dirty="0"/>
+              <a:t>All songs</a:t>
+            </a:r>
+          </a:p>
+          <a:p>
+            <a:pPr marL="457200" lvl="0" indent="-457200">
+              <a:buFont typeface="+mj-lt"/>
+              <a:buAutoNum type="arabicPeriod"/>
+            </a:pPr>
+            <a:r>
+              <a:rPr lang="en-US" dirty="0"/>
+              <a:t>It displays all songs in the </a:t>
+            </a:r>
+            <a:r>
+              <a:rPr lang="en-US" dirty="0" smtClean="0"/>
+              <a:t>website</a:t>
+            </a:r>
+            <a:endParaRPr lang="en-US" dirty="0"/>
+          </a:p>
+          <a:p>
+            <a:pPr lvl="0"/>
+            <a:r>
+              <a:rPr lang="en-US" dirty="0"/>
+              <a:t>Mobile responsiveness and accessibility</a:t>
+            </a:r>
+          </a:p>
+          <a:p>
+            <a:endParaRPr lang="en-US" dirty="0"/>
+          </a:p>
+        </p:txBody>
+      </p:sp>
+    </p:spTree>
+    <p:extLst>
+      <p:ext uri="{BB962C8B-B14F-4D97-AF65-F5344CB8AC3E}">
+        <p14:creationId xmlns:p14="http://schemas.microsoft.com/office/powerpoint/2010/main" val="53734096"/>
+      </p:ext>
+    </p:extLst>
+  </p:cSld>
+  <p:clrMapOvr>
+    <a:masterClrMapping/>
+  </p:clrMapOvr>
+</p:sld>
+</file>
+
+<file path=ppt/slides/slide6.xml><?xml version="1.0" encoding="utf-8"?>
+<p:sld xmlns:a="http://schemas.openxmlformats.org/drawingml/2006/main" xmlns:r="http://schemas.openxmlformats.org/officeDocument/2006/relationships" xmlns:p="http://schemas.openxmlformats.org/presentationml/2006/main">
+  <p:cSld>
+    <p:spTree>
+      <p:nvGrpSpPr>
+        <p:cNvPr id="1" name=""/>
+        <p:cNvGrpSpPr/>
+        <p:nvPr/>
+      </p:nvGrpSpPr>
+      <p:grpSpPr>
+        <a:xfrm>
+          <a:off x="0" y="0"/>
+          <a:ext cx="0" cy="0"/>
+          <a:chOff x="0" y="0"/>
+          <a:chExt cx="0" cy="0"/>
+        </a:xfrm>
+      </p:grpSpPr>
+      <p:sp>
+        <p:nvSpPr>
+          <p:cNvPr id="2" name="Title 1"/>
+          <p:cNvSpPr>
+            <a:spLocks noGrp="1"/>
+          </p:cNvSpPr>
+          <p:nvPr>
+            <p:ph type="title"/>
+          </p:nvPr>
+        </p:nvSpPr>
+        <p:spPr/>
+        <p:txBody>
+          <a:bodyPr>
+            <a:normAutofit/>
+          </a:bodyPr>
+          <a:lstStyle/>
+          <a:p>
+            <a:r>
+              <a:rPr lang="en-US" sz="6000" dirty="0" smtClean="0">
+                <a:solidFill>
+                  <a:srgbClr val="FF0000"/>
+                </a:solidFill>
+              </a:rPr>
+              <a:t>Class diagram</a:t>
+            </a:r>
+            <a:endParaRPr lang="en-US" sz="6000" dirty="0">
+              <a:solidFill>
+                <a:srgbClr val="FF0000"/>
+              </a:solidFill>
+            </a:endParaRPr>
+          </a:p>
+        </p:txBody>
+      </p:sp>
+      <p:pic>
+        <p:nvPicPr>
+          <p:cNvPr id="1026" name="Picture 2"/>
+          <p:cNvPicPr>
+            <a:picLocks noGrp="1" noChangeAspect="1" noChangeArrowheads="1"/>
+          </p:cNvPicPr>
+          <p:nvPr>
+            <p:ph sz="quarter" idx="1"/>
+          </p:nvPr>
+        </p:nvPicPr>
+        <p:blipFill>
+          <a:blip r:embed="rId3">
+            <a:extLst>
+              <a:ext uri="{28A0092B-C50C-407E-A947-70E740481C1C}">
+                <a14:useLocalDpi xmlns:a14="http://schemas.microsoft.com/office/drawing/2010/main" val="0"/>
+              </a:ext>
+            </a:extLst>
+          </a:blip>
+          <a:srcRect/>
+          <a:stretch>
+            <a:fillRect/>
+          </a:stretch>
+        </p:blipFill>
+        <p:spPr bwMode="auto">
+          <a:xfrm>
+            <a:off x="1695937" y="1600200"/>
+            <a:ext cx="4990126" cy="4873625"/>
+          </a:xfrm>
+          <a:prstGeom prst="rect">
+            <a:avLst/>
+          </a:prstGeom>
+          <a:noFill/>
+          <a:ln>
+            <a:noFill/>
+          </a:ln>
+          <a:effectLst/>
+          <a:extLst>
+            <a:ext uri="{909E8E84-426E-40DD-AFC4-6F175D3DCCD1}">
+              <a14:hiddenFill xmlns:a14="http://schemas.microsoft.com/office/drawing/2010/main">
+                <a:solidFill>
+                  <a:schemeClr val="accent1"/>
+                </a:solidFill>
+              </a14:hiddenFill>
+            </a:ext>
+            <a:ext uri="{91240B29-F687-4F45-9708-019B960494DF}">
+              <a14:hiddenLine xmlns:a14="http://schemas.microsoft.com/office/drawing/2010/main" w="9525">
+                <a:solidFill>
+                  <a:schemeClr val="tx1"/>
+                </a:solidFill>
+                <a:miter lim="800000"/>
+                <a:headEnd/>
+                <a:tailEnd/>
+              </a14:hiddenLine>
+            </a:ext>
+            <a:ext uri="{AF507438-7753-43E0-B8FC-AC1667EBCBE1}">
+              <a14:hiddenEffects xmlns:a14="http://schemas.microsoft.com/office/drawing/2010/main">
+                <a:effectLst>
+                  <a:outerShdw dist="35921" dir="2700000" algn="ctr" rotWithShape="0">
+                    <a:schemeClr val="bg2"/>
+                  </a:outerShdw>
+                </a:effectLst>
+              </a14:hiddenEffects>
+            </a:ext>
+          </a:extLst>
+        </p:spPr>
+      </p:pic>
     </p:spTree>
     <p:extLst>
       <p:ext uri="{BB962C8B-B14F-4D97-AF65-F5344CB8AC3E}">
         <p14:creationId xmlns:p14="http://schemas.microsoft.com/office/powerpoint/2010/main" val="147438898"/>
+      </p:ext>
+    </p:extLst>
+  </p:cSld>
+  <p:clrMapOvr>
+    <a:masterClrMapping/>
+  </p:clrMapOvr>
+</p:sld>
+</file>
+
+<file path=ppt/slides/slide7.xml><?xml version="1.0" encoding="utf-8"?>
+<p:sld xmlns:a="http://schemas.openxmlformats.org/drawingml/2006/main" xmlns:r="http://schemas.openxmlformats.org/officeDocument/2006/relationships" xmlns:p="http://schemas.openxmlformats.org/presentationml/2006/main">
+  <p:cSld>
+    <p:spTree>
+      <p:nvGrpSpPr>
+        <p:cNvPr id="1" name=""/>
+        <p:cNvGrpSpPr/>
+        <p:nvPr/>
+      </p:nvGrpSpPr>
+      <p:grpSpPr>
+        <a:xfrm>
+          <a:off x="0" y="0"/>
+          <a:ext cx="0" cy="0"/>
+          <a:chOff x="0" y="0"/>
+          <a:chExt cx="0" cy="0"/>
+        </a:xfrm>
+      </p:grpSpPr>
+      <p:sp>
+        <p:nvSpPr>
+          <p:cNvPr id="2" name="Title 1"/>
+          <p:cNvSpPr>
+            <a:spLocks noGrp="1"/>
+          </p:cNvSpPr>
+          <p:nvPr>
+            <p:ph type="title"/>
+          </p:nvPr>
+        </p:nvSpPr>
+        <p:spPr>
+          <a:xfrm>
+            <a:off x="457200" y="274638"/>
+            <a:ext cx="7467600" cy="487362"/>
+          </a:xfrm>
+        </p:spPr>
+        <p:txBody>
+          <a:bodyPr>
+            <a:noAutofit/>
+          </a:bodyPr>
+          <a:lstStyle/>
+          <a:p>
+            <a:r>
+              <a:rPr lang="en-US" sz="3200" dirty="0" smtClean="0">
+                <a:solidFill>
+                  <a:srgbClr val="FF0000"/>
+                </a:solidFill>
+              </a:rPr>
+              <a:t>CHALLENGES FACED</a:t>
+            </a:r>
+            <a:endParaRPr lang="en-US" sz="3200" dirty="0">
+              <a:solidFill>
+                <a:srgbClr val="FF0000"/>
+              </a:solidFill>
+            </a:endParaRPr>
+          </a:p>
+        </p:txBody>
+      </p:sp>
+      <p:sp>
+        <p:nvSpPr>
+          <p:cNvPr id="3" name="Content Placeholder 2"/>
+          <p:cNvSpPr>
+            <a:spLocks noGrp="1"/>
+          </p:cNvSpPr>
+          <p:nvPr>
+            <p:ph sz="quarter" idx="1"/>
+          </p:nvPr>
+        </p:nvSpPr>
+        <p:spPr>
+          <a:xfrm>
+            <a:off x="457200" y="914400"/>
+            <a:ext cx="8153400" cy="5559552"/>
+          </a:xfrm>
+        </p:spPr>
+        <p:txBody>
+          <a:bodyPr>
+            <a:normAutofit fontScale="62500" lnSpcReduction="20000"/>
+          </a:bodyPr>
+          <a:lstStyle/>
+          <a:p>
+            <a:pPr algn="just"/>
+            <a:r>
+              <a:rPr lang="en-US" dirty="0" smtClean="0"/>
+              <a:t>Data </a:t>
+            </a:r>
+            <a:r>
+              <a:rPr lang="en-US" dirty="0"/>
+              <a:t>Validation and Integrity:</a:t>
+            </a:r>
+          </a:p>
+          <a:p>
+            <a:pPr marL="514350" indent="-514350" algn="just">
+              <a:buFont typeface="+mj-lt"/>
+              <a:buAutoNum type="romanLcPeriod"/>
+            </a:pPr>
+            <a:r>
+              <a:rPr lang="en-US" dirty="0" smtClean="0"/>
+              <a:t>Ensuring </a:t>
+            </a:r>
+            <a:r>
+              <a:rPr lang="en-US" dirty="0"/>
+              <a:t>the accuracy and consistency of the data entered by users can be challenging. Validating user inputs, such as song titles, artist names, and album information, to prevent errors and inconsistencies is crucial.</a:t>
+            </a:r>
+          </a:p>
+          <a:p>
+            <a:pPr marL="514350" indent="-514350" algn="just">
+              <a:buFont typeface="+mj-lt"/>
+              <a:buAutoNum type="romanLcPeriod"/>
+            </a:pPr>
+            <a:r>
+              <a:rPr lang="en-US" dirty="0" smtClean="0"/>
+              <a:t>Implementing </a:t>
+            </a:r>
+            <a:r>
+              <a:rPr lang="en-US" dirty="0"/>
+              <a:t>proper data validation techniques, such as form validation, model validation, and data type checking, helps maintain data integrity and prevents issues with database operations</a:t>
+            </a:r>
+            <a:r>
+              <a:rPr lang="en-US" dirty="0" smtClean="0"/>
+              <a:t>.</a:t>
+            </a:r>
+            <a:r>
+              <a:rPr lang="en-US" dirty="0"/>
+              <a:t> </a:t>
+            </a:r>
+          </a:p>
+          <a:p>
+            <a:pPr algn="just"/>
+            <a:r>
+              <a:rPr lang="en-US" dirty="0" smtClean="0"/>
+              <a:t>User </a:t>
+            </a:r>
+            <a:r>
+              <a:rPr lang="en-US" dirty="0"/>
+              <a:t>Experience:</a:t>
+            </a:r>
+          </a:p>
+          <a:p>
+            <a:pPr marL="514350" indent="-514350" algn="just">
+              <a:buFont typeface="+mj-lt"/>
+              <a:buAutoNum type="romanLcPeriod"/>
+            </a:pPr>
+            <a:r>
+              <a:rPr lang="en-US" dirty="0" smtClean="0"/>
+              <a:t>Designing </a:t>
+            </a:r>
+            <a:r>
+              <a:rPr lang="en-US" dirty="0"/>
+              <a:t>an intuitive and user-friendly interface is essential for a music streaming website. Providing seamless navigation, responsive layouts, and intuitive controls enhances the user </a:t>
+            </a:r>
+            <a:r>
+              <a:rPr lang="en-US" dirty="0" smtClean="0"/>
+              <a:t>experience.</a:t>
+            </a:r>
+          </a:p>
+          <a:p>
+            <a:pPr marL="514350" indent="-514350" algn="just">
+              <a:buFont typeface="+mj-lt"/>
+              <a:buAutoNum type="romanLcPeriod"/>
+            </a:pPr>
+            <a:r>
+              <a:rPr lang="en-US" dirty="0" smtClean="0"/>
+              <a:t>Implementing </a:t>
+            </a:r>
+            <a:r>
+              <a:rPr lang="en-US" dirty="0"/>
+              <a:t>features like real-time song playback, playlist management, and personalized recommendations can improve user engagement and satisfaction.</a:t>
+            </a:r>
+          </a:p>
+          <a:p>
+            <a:pPr marL="514350" indent="-514350" algn="just">
+              <a:buFont typeface="+mj-lt"/>
+              <a:buAutoNum type="romanLcPeriod"/>
+            </a:pPr>
+            <a:r>
+              <a:rPr lang="en-US" dirty="0" smtClean="0"/>
+              <a:t>Ensuring </a:t>
+            </a:r>
+            <a:r>
+              <a:rPr lang="en-US" dirty="0"/>
+              <a:t>compatibility across different devices and browsers and optimizing the website's performance for faster loading and smooth interactions is a challenge</a:t>
+            </a:r>
+            <a:r>
+              <a:rPr lang="en-US" dirty="0" smtClean="0"/>
+              <a:t>.</a:t>
+            </a:r>
+            <a:endParaRPr lang="en-US" dirty="0"/>
+          </a:p>
+          <a:p>
+            <a:pPr algn="just"/>
+            <a:r>
+              <a:rPr lang="en-US" dirty="0" smtClean="0"/>
+              <a:t>Testing</a:t>
+            </a:r>
+            <a:r>
+              <a:rPr lang="en-US" dirty="0"/>
+              <a:t>:</a:t>
+            </a:r>
+          </a:p>
+          <a:p>
+            <a:pPr marL="514350" indent="-514350" algn="just">
+              <a:buFont typeface="+mj-lt"/>
+              <a:buAutoNum type="romanLcPeriod"/>
+            </a:pPr>
+            <a:r>
+              <a:rPr lang="en-US" dirty="0" smtClean="0"/>
+              <a:t>Testing </a:t>
+            </a:r>
+            <a:r>
+              <a:rPr lang="en-US" dirty="0"/>
+              <a:t>a Django music streaming website involves various aspects, including unit testing, integration testing, and end-to-end testing.</a:t>
+            </a:r>
+          </a:p>
+          <a:p>
+            <a:pPr marL="514350" indent="-514350" algn="just">
+              <a:buFont typeface="+mj-lt"/>
+              <a:buAutoNum type="romanLcPeriod"/>
+            </a:pPr>
+            <a:r>
+              <a:rPr lang="en-US" dirty="0" smtClean="0"/>
+              <a:t>Testing </a:t>
+            </a:r>
+            <a:r>
+              <a:rPr lang="en-US" dirty="0"/>
+              <a:t>the functionality of features like user authentication, song uploading, </a:t>
+            </a:r>
+            <a:r>
+              <a:rPr lang="en-US" dirty="0" smtClean="0"/>
+              <a:t>favorite songs </a:t>
+            </a:r>
+            <a:r>
+              <a:rPr lang="en-US" dirty="0"/>
+              <a:t>creation, and search functionality ensures they work as intended.</a:t>
+            </a:r>
+          </a:p>
+          <a:p>
+            <a:pPr marL="514350" indent="-514350" algn="just">
+              <a:buFont typeface="+mj-lt"/>
+              <a:buAutoNum type="romanLcPeriod"/>
+            </a:pPr>
+            <a:r>
+              <a:rPr lang="en-US" dirty="0" smtClean="0"/>
+              <a:t>Conducting </a:t>
+            </a:r>
+            <a:r>
+              <a:rPr lang="en-US" dirty="0"/>
+              <a:t>performance testing to evaluate the website's response time, scalability, and concurrent user handling helps identify and address performance bottlenecks.</a:t>
+            </a:r>
+          </a:p>
+          <a:p>
+            <a:pPr marL="0" indent="0" algn="just">
+              <a:buNone/>
+            </a:pPr>
+            <a:r>
+              <a:rPr lang="en-US" dirty="0"/>
+              <a:t> </a:t>
+            </a:r>
+          </a:p>
+          <a:p>
+            <a:pPr algn="just"/>
+            <a:endParaRPr lang="en-US" dirty="0"/>
+          </a:p>
+        </p:txBody>
+      </p:sp>
+    </p:spTree>
+    <p:extLst>
+      <p:ext uri="{BB962C8B-B14F-4D97-AF65-F5344CB8AC3E}">
+        <p14:creationId xmlns:p14="http://schemas.microsoft.com/office/powerpoint/2010/main" val="4253906348"/>
       </p:ext>
     </p:extLst>
   </p:cSld>
@@ -6118,16 +7243,31 @@
             <p:ph type="title"/>
           </p:nvPr>
         </p:nvSpPr>
-        <p:spPr/>
-        <p:txBody>
-          <a:bodyPr/>
-          <a:lstStyle/>
-          <a:p>
-            <a:r>
-              <a:rPr lang="en-US" smtClean="0"/>
-              <a:t>CHALLENGES FACED</a:t>
-            </a:r>
-            <a:endParaRPr lang="en-US"/>
+        <p:spPr>
+          <a:xfrm>
+            <a:off x="457200" y="274638"/>
+            <a:ext cx="7467600" cy="411162"/>
+          </a:xfrm>
+        </p:spPr>
+        <p:txBody>
+          <a:bodyPr>
+            <a:noAutofit/>
+          </a:bodyPr>
+          <a:lstStyle/>
+          <a:p>
+            <a:r>
+              <a:rPr lang="en-US" sz="2800" dirty="0" smtClean="0">
+                <a:solidFill>
+                  <a:srgbClr val="FF0000"/>
+                </a:solidFill>
+              </a:rPr>
+              <a:t>CONTINUE…</a:t>
+            </a:r>
+            <a:endParaRPr lang="en-US" sz="2800" dirty="0">
+              <a:solidFill>
+                <a:srgbClr val="FF0000"/>
+              </a:solidFill>
+            </a:endParaRPr>
           </a:p>
         </p:txBody>
       </p:sp>
@@ -6141,19 +7281,434 @@
             <p:ph sz="quarter" idx="1"/>
           </p:nvPr>
         </p:nvSpPr>
-        <p:spPr/>
-        <p:txBody>
-          <a:bodyPr/>
-          <a:lstStyle/>
-          <a:p>
-            <a:endParaRPr lang="en-US"/>
+        <p:spPr>
+          <a:xfrm>
+            <a:off x="457200" y="838200"/>
+            <a:ext cx="7848600" cy="5635752"/>
+          </a:xfrm>
+        </p:spPr>
+        <p:txBody>
+          <a:bodyPr>
+            <a:normAutofit fontScale="62500" lnSpcReduction="20000"/>
+          </a:bodyPr>
+          <a:lstStyle/>
+          <a:p>
+            <a:pPr algn="just"/>
+            <a:r>
+              <a:rPr lang="en-US" dirty="0"/>
+              <a:t>4. Debugging:</a:t>
+            </a:r>
+          </a:p>
+          <a:p>
+            <a:pPr marL="514350" indent="-514350" algn="just">
+              <a:buFont typeface="+mj-lt"/>
+              <a:buAutoNum type="romanLcPeriod"/>
+            </a:pPr>
+            <a:r>
+              <a:rPr lang="en-US" dirty="0" smtClean="0"/>
+              <a:t>Identifying </a:t>
+            </a:r>
+            <a:r>
+              <a:rPr lang="en-US" dirty="0"/>
+              <a:t>and resolving bugs and issues in the Django codebase can be challenging. Debugging techniques, such as logging, error tracking tools, and debugging tools integrated with the Django framework, are essential.</a:t>
+            </a:r>
+          </a:p>
+          <a:p>
+            <a:pPr marL="514350" indent="-514350" algn="just">
+              <a:buFont typeface="+mj-lt"/>
+              <a:buAutoNum type="romanLcPeriod"/>
+            </a:pPr>
+            <a:r>
+              <a:rPr lang="en-US" dirty="0" smtClean="0"/>
+              <a:t>Analyzing </a:t>
+            </a:r>
+            <a:r>
+              <a:rPr lang="en-US" dirty="0"/>
+              <a:t>error logs, handling exceptions gracefully, and implementing effective error handling mechanisms help improve the website's stability and user experience</a:t>
+            </a:r>
+            <a:r>
+              <a:rPr lang="en-US" dirty="0" smtClean="0"/>
+              <a:t>.</a:t>
+            </a:r>
+            <a:r>
+              <a:rPr lang="en-US" dirty="0"/>
+              <a:t> </a:t>
+            </a:r>
+          </a:p>
+          <a:p>
+            <a:pPr algn="just"/>
+            <a:r>
+              <a:rPr lang="en-US" dirty="0" smtClean="0"/>
+              <a:t>Data </a:t>
+            </a:r>
+            <a:r>
+              <a:rPr lang="en-US" dirty="0"/>
+              <a:t>Storage and Performance:</a:t>
+            </a:r>
+          </a:p>
+          <a:p>
+            <a:pPr marL="514350" indent="-514350" algn="just">
+              <a:buFont typeface="+mj-lt"/>
+              <a:buAutoNum type="romanLcPeriod"/>
+            </a:pPr>
+            <a:r>
+              <a:rPr lang="en-US" dirty="0" smtClean="0"/>
+              <a:t>Efficiently </a:t>
+            </a:r>
+            <a:r>
+              <a:rPr lang="en-US" dirty="0"/>
+              <a:t>managing and organizing large volumes of audio files, metadata, and user data can be challenging. Implementing proper database design, indexing, and caching techniques helps improve </a:t>
+            </a:r>
+            <a:r>
+              <a:rPr lang="en-US" dirty="0" smtClean="0"/>
+              <a:t>performance.</a:t>
+            </a:r>
+          </a:p>
+          <a:p>
+            <a:pPr marL="514350" indent="-514350" algn="just">
+              <a:buFont typeface="+mj-lt"/>
+              <a:buAutoNum type="romanLcPeriod"/>
+            </a:pPr>
+            <a:r>
+              <a:rPr lang="en-US" dirty="0" smtClean="0"/>
+              <a:t>Ensuring </a:t>
+            </a:r>
+            <a:r>
+              <a:rPr lang="en-US" dirty="0"/>
+              <a:t>data consistency and integrity during database operations, such as song uploads, playlist updates, and user interactions, requires careful handling of transactions and data synchronization</a:t>
+            </a:r>
+            <a:r>
+              <a:rPr lang="en-US" dirty="0" smtClean="0"/>
+              <a:t>.</a:t>
+            </a:r>
+            <a:r>
+              <a:rPr lang="en-US" dirty="0"/>
+              <a:t> </a:t>
+            </a:r>
+          </a:p>
+          <a:p>
+            <a:pPr algn="just"/>
+            <a:r>
+              <a:rPr lang="en-US" dirty="0" smtClean="0"/>
+              <a:t>Security</a:t>
+            </a:r>
+            <a:r>
+              <a:rPr lang="en-US" dirty="0"/>
+              <a:t>:</a:t>
+            </a:r>
+          </a:p>
+          <a:p>
+            <a:pPr marL="514350" indent="-514350" algn="just">
+              <a:buFont typeface="+mj-lt"/>
+              <a:buAutoNum type="romanLcPeriod"/>
+            </a:pPr>
+            <a:r>
+              <a:rPr lang="en-US" dirty="0" smtClean="0"/>
+              <a:t>Securing </a:t>
+            </a:r>
+            <a:r>
+              <a:rPr lang="en-US" dirty="0"/>
+              <a:t>user data, including login credentials, payment information, and personal preferences, is crucial. Implementing proper authentication and authorization mechanisms, protecting against cross-site scripting (XSS) and cross-site request forgery (CSRF) attacks, and enforcing data encryption measures are essential for data security</a:t>
+            </a:r>
+            <a:r>
+              <a:rPr lang="en-US" dirty="0" smtClean="0"/>
+              <a:t>.</a:t>
+            </a:r>
+            <a:r>
+              <a:rPr lang="en-US" dirty="0"/>
+              <a:t> </a:t>
+            </a:r>
+          </a:p>
+          <a:p>
+            <a:pPr algn="just"/>
+            <a:r>
+              <a:rPr lang="en-US" dirty="0" smtClean="0"/>
+              <a:t>Streaming </a:t>
+            </a:r>
+            <a:r>
+              <a:rPr lang="en-US" dirty="0"/>
+              <a:t>and Media Handling:</a:t>
+            </a:r>
+          </a:p>
+          <a:p>
+            <a:pPr marL="514350" indent="-514350" algn="just">
+              <a:buFont typeface="+mj-lt"/>
+              <a:buAutoNum type="romanLcPeriod"/>
+            </a:pPr>
+            <a:r>
+              <a:rPr lang="en-US" dirty="0" smtClean="0"/>
+              <a:t>Implementing </a:t>
+            </a:r>
+            <a:r>
+              <a:rPr lang="en-US" dirty="0"/>
+              <a:t>audio streaming functionalities, such as buffering, seeking, and handling different audio formats, can be complex. Properly managing media files, including storage, retrieval, and delivery to users, requires efficient media handling techniques and server configurations.</a:t>
+            </a:r>
+          </a:p>
+          <a:p>
+            <a:pPr algn="just"/>
+            <a:endParaRPr lang="en-US" dirty="0"/>
           </a:p>
         </p:txBody>
       </p:sp>
     </p:spTree>
     <p:extLst>
       <p:ext uri="{BB962C8B-B14F-4D97-AF65-F5344CB8AC3E}">
-        <p14:creationId xmlns:p14="http://schemas.microsoft.com/office/powerpoint/2010/main" val="4253906348"/>
+        <p14:creationId xmlns:p14="http://schemas.microsoft.com/office/powerpoint/2010/main" val="1905089030"/>
+      </p:ext>
+    </p:extLst>
+  </p:cSld>
+  <p:clrMapOvr>
+    <a:masterClrMapping/>
+  </p:clrMapOvr>
+</p:sld>
+</file>
+
+<file path=ppt/slides/slide9.xml><?xml version="1.0" encoding="utf-8"?>
+<p:sld xmlns:a="http://schemas.openxmlformats.org/drawingml/2006/main" xmlns:r="http://schemas.openxmlformats.org/officeDocument/2006/relationships" xmlns:p="http://schemas.openxmlformats.org/presentationml/2006/main">
+  <p:cSld>
+    <p:spTree>
+      <p:nvGrpSpPr>
+        <p:cNvPr id="1" name=""/>
+        <p:cNvGrpSpPr/>
+        <p:nvPr/>
+      </p:nvGrpSpPr>
+      <p:grpSpPr>
+        <a:xfrm>
+          <a:off x="0" y="0"/>
+          <a:ext cx="0" cy="0"/>
+          <a:chOff x="0" y="0"/>
+          <a:chExt cx="0" cy="0"/>
+        </a:xfrm>
+      </p:grpSpPr>
+      <p:sp>
+        <p:nvSpPr>
+          <p:cNvPr id="2" name="Title 1"/>
+          <p:cNvSpPr>
+            <a:spLocks noGrp="1"/>
+          </p:cNvSpPr>
+          <p:nvPr>
+            <p:ph type="title"/>
+          </p:nvPr>
+        </p:nvSpPr>
+        <p:spPr/>
+        <p:txBody>
+          <a:bodyPr/>
+          <a:lstStyle/>
+          <a:p>
+            <a:r>
+              <a:rPr lang="en-US" dirty="0" smtClean="0"/>
+              <a:t>screenshots</a:t>
+            </a:r>
+            <a:endParaRPr lang="en-US" dirty="0"/>
+          </a:p>
+        </p:txBody>
+      </p:sp>
+      <p:sp>
+        <p:nvSpPr>
+          <p:cNvPr id="3" name="Content Placeholder 2"/>
+          <p:cNvSpPr>
+            <a:spLocks noGrp="1"/>
+          </p:cNvSpPr>
+          <p:nvPr>
+            <p:ph sz="quarter" idx="1"/>
+          </p:nvPr>
+        </p:nvSpPr>
+        <p:spPr/>
+        <p:txBody>
+          <a:bodyPr/>
+          <a:lstStyle/>
+          <a:p>
+            <a:r>
+              <a:rPr lang="en-US" dirty="0" smtClean="0"/>
+              <a:t>HOME PAGE</a:t>
+            </a:r>
+          </a:p>
+          <a:p>
+            <a:pPr marL="0" indent="0">
+              <a:buNone/>
+            </a:pPr>
+            <a:r>
+              <a:rPr lang="en-US" dirty="0" smtClean="0"/>
+              <a:t>The dashboard of user</a:t>
+            </a:r>
+          </a:p>
+          <a:p>
+            <a:pPr marL="0" indent="0">
+              <a:buNone/>
+            </a:pPr>
+            <a:endParaRPr lang="en-US" dirty="0"/>
+          </a:p>
+        </p:txBody>
+      </p:sp>
+      <p:sp>
+        <p:nvSpPr>
+          <p:cNvPr id="4" name="Content Placeholder 3"/>
+          <p:cNvSpPr>
+            <a:spLocks noGrp="1"/>
+          </p:cNvSpPr>
+          <p:nvPr>
+            <p:ph sz="quarter" idx="2"/>
+          </p:nvPr>
+        </p:nvSpPr>
+        <p:spPr/>
+        <p:txBody>
+          <a:bodyPr/>
+          <a:lstStyle/>
+          <a:p>
+            <a:r>
+              <a:rPr lang="en-US" dirty="0" smtClean="0"/>
+              <a:t>REGISTER FORM</a:t>
+            </a:r>
+          </a:p>
+          <a:p>
+            <a:pPr marL="0" indent="0">
+              <a:buNone/>
+            </a:pPr>
+            <a:r>
+              <a:rPr lang="en-US" dirty="0" smtClean="0"/>
+              <a:t>User can register to lesson to more songs</a:t>
+            </a:r>
+          </a:p>
+          <a:p>
+            <a:pPr marL="0" indent="0">
+              <a:buNone/>
+            </a:pPr>
+            <a:endParaRPr lang="en-US" dirty="0"/>
+          </a:p>
+        </p:txBody>
+      </p:sp>
+      <p:pic>
+        <p:nvPicPr>
+          <p:cNvPr id="1027" name="Picture 3"/>
+          <p:cNvPicPr>
+            <a:picLocks noChangeAspect="1" noChangeArrowheads="1"/>
+          </p:cNvPicPr>
+          <p:nvPr/>
+        </p:nvPicPr>
+        <p:blipFill>
+          <a:blip r:embed="rId2" cstate="print">
+            <a:extLst>
+              <a:ext uri="{28A0092B-C50C-407E-A947-70E740481C1C}">
+                <a14:useLocalDpi xmlns:a14="http://schemas.microsoft.com/office/drawing/2010/main" val="0"/>
+              </a:ext>
+            </a:extLst>
+          </a:blip>
+          <a:srcRect/>
+          <a:stretch>
+            <a:fillRect/>
+          </a:stretch>
+        </p:blipFill>
+        <p:spPr bwMode="auto">
+          <a:xfrm>
+            <a:off x="533400" y="2895600"/>
+            <a:ext cx="3124200" cy="2057399"/>
+          </a:xfrm>
+          <a:prstGeom prst="rect">
+            <a:avLst/>
+          </a:prstGeom>
+          <a:noFill/>
+          <a:ln>
+            <a:noFill/>
+          </a:ln>
+          <a:effectLst/>
+          <a:extLst>
+            <a:ext uri="{909E8E84-426E-40DD-AFC4-6F175D3DCCD1}">
+              <a14:hiddenFill xmlns:a14="http://schemas.microsoft.com/office/drawing/2010/main">
+                <a:solidFill>
+                  <a:schemeClr val="accent1"/>
+                </a:solidFill>
+              </a14:hiddenFill>
+            </a:ext>
+            <a:ext uri="{91240B29-F687-4F45-9708-019B960494DF}">
+              <a14:hiddenLine xmlns:a14="http://schemas.microsoft.com/office/drawing/2010/main" w="9525">
+                <a:solidFill>
+                  <a:schemeClr val="tx1"/>
+                </a:solidFill>
+                <a:miter lim="800000"/>
+                <a:headEnd/>
+                <a:tailEnd/>
+              </a14:hiddenLine>
+            </a:ext>
+            <a:ext uri="{AF507438-7753-43E0-B8FC-AC1667EBCBE1}">
+              <a14:hiddenEffects xmlns:a14="http://schemas.microsoft.com/office/drawing/2010/main">
+                <a:effectLst>
+                  <a:outerShdw dist="35921" dir="2700000" algn="ctr" rotWithShape="0">
+                    <a:schemeClr val="bg2"/>
+                  </a:outerShdw>
+                </a:effectLst>
+              </a14:hiddenEffects>
+            </a:ext>
+          </a:extLst>
+        </p:spPr>
+      </p:pic>
+      <p:pic>
+        <p:nvPicPr>
+          <p:cNvPr id="1028" name="Picture 4"/>
+          <p:cNvPicPr>
+            <a:picLocks noChangeAspect="1" noChangeArrowheads="1"/>
+          </p:cNvPicPr>
+          <p:nvPr/>
+        </p:nvPicPr>
+        <p:blipFill>
+          <a:blip r:embed="rId3" cstate="print">
+            <a:extLst>
+              <a:ext uri="{28A0092B-C50C-407E-A947-70E740481C1C}">
+                <a14:useLocalDpi xmlns:a14="http://schemas.microsoft.com/office/drawing/2010/main" val="0"/>
+              </a:ext>
+            </a:extLst>
+          </a:blip>
+          <a:srcRect/>
+          <a:stretch>
+            <a:fillRect/>
+          </a:stretch>
+        </p:blipFill>
+        <p:spPr bwMode="auto">
+          <a:xfrm>
+            <a:off x="4419600" y="3086099"/>
+            <a:ext cx="3657600" cy="1866900"/>
+          </a:xfrm>
+          <a:prstGeom prst="rect">
+            <a:avLst/>
+          </a:prstGeom>
+          <a:noFill/>
+          <a:ln>
+            <a:noFill/>
+          </a:ln>
+          <a:effectLst/>
+          <a:extLst>
+            <a:ext uri="{909E8E84-426E-40DD-AFC4-6F175D3DCCD1}">
+              <a14:hiddenFill xmlns:a14="http://schemas.microsoft.com/office/drawing/2010/main">
+                <a:solidFill>
+                  <a:schemeClr val="accent1"/>
+                </a:solidFill>
+              </a14:hiddenFill>
+            </a:ext>
+            <a:ext uri="{91240B29-F687-4F45-9708-019B960494DF}">
+              <a14:hiddenLine xmlns:a14="http://schemas.microsoft.com/office/drawing/2010/main" w="9525">
+                <a:solidFill>
+                  <a:schemeClr val="tx1"/>
+                </a:solidFill>
+                <a:miter lim="800000"/>
+                <a:headEnd/>
+                <a:tailEnd/>
+              </a14:hiddenLine>
+            </a:ext>
+            <a:ext uri="{AF507438-7753-43E0-B8FC-AC1667EBCBE1}">
+              <a14:hiddenEffects xmlns:a14="http://schemas.microsoft.com/office/drawing/2010/main">
+                <a:effectLst>
+                  <a:outerShdw dist="35921" dir="2700000" algn="ctr" rotWithShape="0">
+                    <a:schemeClr val="bg2"/>
+                  </a:outerShdw>
+                </a:effectLst>
+              </a14:hiddenEffects>
+            </a:ext>
+          </a:extLst>
+        </p:spPr>
+      </p:pic>
+    </p:spTree>
+    <p:extLst>
+      <p:ext uri="{BB962C8B-B14F-4D97-AF65-F5344CB8AC3E}">
+        <p14:creationId xmlns:p14="http://schemas.microsoft.com/office/powerpoint/2010/main" val="938585226"/>
       </p:ext>
     </p:extLst>
   </p:cSld>
@@ -6456,4 +8011,289 @@
   <a:objectDefaults/>
   <a:extraClrSchemeLst/>
 </a:theme>
+</file>
+
+<file path=ppt/theme/theme2.xml><?xml version="1.0" encoding="utf-8"?>
+<a:theme xmlns:a="http://schemas.openxmlformats.org/drawingml/2006/main" name="Office Theme">
+  <a:themeElements>
+    <a:clrScheme name="Office">
+      <a:dk1>
+        <a:sysClr val="windowText" lastClr="000000"/>
+      </a:dk1>
+      <a:lt1>
+        <a:sysClr val="window" lastClr="FFFFFF"/>
+      </a:lt1>
+      <a:dk2>
+        <a:srgbClr val="1F497D"/>
+      </a:dk2>
+      <a:lt2>
+        <a:srgbClr val="EEECE1"/>
+      </a:lt2>
+      <a:accent1>
+        <a:srgbClr val="4F81BD"/>
+      </a:accent1>
+      <a:accent2>
+        <a:srgbClr val="C0504D"/>
+      </a:accent2>
+      <a:accent3>
+        <a:srgbClr val="9BBB59"/>
+      </a:accent3>
+      <a:accent4>
+        <a:srgbClr val="8064A2"/>
+      </a:accent4>
+      <a:accent5>
+        <a:srgbClr val="4BACC6"/>
+      </a:accent5>
+      <a:accent6>
+        <a:srgbClr val="F79646"/>
+      </a:accent6>
+      <a:hlink>
+        <a:srgbClr val="0000FF"/>
+      </a:hlink>
+      <a:folHlink>
+        <a:srgbClr val="800080"/>
+      </a:folHlink>
+    </a:clrScheme>
+    <a:fontScheme name="Office">
+      <a:majorFont>
+        <a:latin typeface="Calibri"/>
+        <a:ea typeface=""/>
+        <a:cs typeface=""/>
+        <a:font script="Jpan" typeface="ＭＳ Ｐゴシック"/>
+        <a:font script="Hang" typeface="맑은 고딕"/>
+        <a:font script="Hans" typeface="宋体"/>
+        <a:font script="Hant" typeface="新細明體"/>
+        <a:font script="Arab" typeface="Times New Roman"/>
+        <a:font script="Hebr" typeface="Times New Roman"/>
+        <a:font script="Thai" typeface="Angsana New"/>
+        <a:font script="Ethi" typeface="Nyala"/>
+        <a:font script="Beng" typeface="Vrinda"/>
+        <a:font script="Gujr" typeface="Shruti"/>
+        <a:font script="Khmr" typeface="MoolBoran"/>
+        <a:font script="Knda" typeface="Tunga"/>
+        <a:font script="Guru" typeface="Raavi"/>
+        <a:font script="Cans" typeface="Euphemia"/>
+        <a:font script="Cher" typeface="Plantagenet Cherokee"/>
+        <a:font script="Yiii" typeface="Microsoft Yi Baiti"/>
+        <a:font script="Tibt" typeface="Microsoft Himalaya"/>
+        <a:font script="Thaa" typeface="MV Boli"/>
+        <a:font script="Deva" typeface="Mangal"/>
+        <a:font script="Telu" typeface="Gautami"/>
+        <a:font script="Taml" typeface="Latha"/>
+        <a:font script="Syrc" typeface="Estrangelo Edessa"/>
+        <a:font script="Orya" typeface="Kalinga"/>
+        <a:font script="Mlym" typeface="Kartika"/>
+        <a:font script="Laoo" typeface="DokChampa"/>
+        <a:font script="Sinh" typeface="Iskoola Pota"/>
+        <a:font script="Mong" typeface="Mongolian Baiti"/>
+        <a:font script="Viet" typeface="Times New Roman"/>
+        <a:font script="Uigh" typeface="Microsoft Uighur"/>
+        <a:font script="Geor" typeface="Sylfaen"/>
+      </a:majorFont>
+      <a:minorFont>
+        <a:latin typeface="Calibri"/>
+        <a:ea typeface=""/>
+        <a:cs typeface=""/>
+        <a:font script="Jpan" typeface="ＭＳ Ｐゴシック"/>
+        <a:font script="Hang" typeface="맑은 고딕"/>
+        <a:font script="Hans" typeface="宋体"/>
+        <a:font script="Hant" typeface="新細明體"/>
+        <a:font script="Arab" typeface="Arial"/>
+        <a:font script="Hebr" typeface="Arial"/>
+        <a:font script="Thai" typeface="Cordia New"/>
+        <a:font script="Ethi" typeface="Nyala"/>
+        <a:font script="Beng" typeface="Vrinda"/>
+        <a:font script="Gujr" typeface="Shruti"/>
+        <a:font script="Khmr" typeface="DaunPenh"/>
+        <a:font script="Knda" typeface="Tunga"/>
+        <a:font script="Guru" typeface="Raavi"/>
+        <a:font script="Cans" typeface="Euphemia"/>
+        <a:font script="Cher" typeface="Plantagenet Cherokee"/>
+        <a:font script="Yiii" typeface="Microsoft Yi Baiti"/>
+        <a:font script="Tibt" typeface="Microsoft Himalaya"/>
+        <a:font script="Thaa" typeface="MV Boli"/>
+        <a:font script="Deva" typeface="Mangal"/>
+        <a:font script="Telu" typeface="Gautami"/>
+        <a:font script="Taml" typeface="Latha"/>
+        <a:font script="Syrc" typeface="Estrangelo Edessa"/>
+        <a:font script="Orya" typeface="Kalinga"/>
+        <a:font script="Mlym" typeface="Kartika"/>
+        <a:font script="Laoo" typeface="DokChampa"/>
+        <a:font script="Sinh" typeface="Iskoola Pota"/>
+        <a:font script="Mong" typeface="Mongolian Baiti"/>
+        <a:font script="Viet" typeface="Arial"/>
+        <a:font script="Uigh" typeface="Microsoft Uighur"/>
+        <a:font script="Geor" typeface="Sylfaen"/>
+      </a:minorFont>
+    </a:fontScheme>
+    <a:fmtScheme name="Office">
+      <a:fillStyleLst>
+        <a:solidFill>
+          <a:schemeClr val="phClr"/>
+        </a:solidFill>
+        <a:gradFill rotWithShape="1">
+          <a:gsLst>
+            <a:gs pos="0">
+              <a:schemeClr val="phClr">
+                <a:tint val="50000"/>
+                <a:satMod val="300000"/>
+              </a:schemeClr>
+            </a:gs>
+            <a:gs pos="35000">
+              <a:schemeClr val="phClr">
+                <a:tint val="37000"/>
+                <a:satMod val="300000"/>
+              </a:schemeClr>
+            </a:gs>
+            <a:gs pos="100000">
+              <a:schemeClr val="phClr">
+                <a:tint val="15000"/>
+                <a:satMod val="350000"/>
+              </a:schemeClr>
+            </a:gs>
+          </a:gsLst>
+          <a:lin ang="16200000" scaled="1"/>
+        </a:gradFill>
+        <a:gradFill rotWithShape="1">
+          <a:gsLst>
+            <a:gs pos="0">
+              <a:schemeClr val="phClr">
+                <a:shade val="51000"/>
+                <a:satMod val="130000"/>
+              </a:schemeClr>
+            </a:gs>
+            <a:gs pos="80000">
+              <a:schemeClr val="phClr">
+                <a:shade val="93000"/>
+                <a:satMod val="130000"/>
+              </a:schemeClr>
+            </a:gs>
+            <a:gs pos="100000">
+              <a:schemeClr val="phClr">
+                <a:shade val="94000"/>
+                <a:satMod val="135000"/>
+              </a:schemeClr>
+            </a:gs>
+          </a:gsLst>
+          <a:lin ang="16200000" scaled="0"/>
+        </a:gradFill>
+      </a:fillStyleLst>
+      <a:lnStyleLst>
+        <a:ln w="9525" cap="flat" cmpd="sng" algn="ctr">
+          <a:solidFill>
+            <a:schemeClr val="phClr">
+              <a:shade val="95000"/>
+              <a:satMod val="105000"/>
+            </a:schemeClr>
+          </a:solidFill>
+          <a:prstDash val="solid"/>
+        </a:ln>
+        <a:ln w="25400" cap="flat" cmpd="sng" algn="ctr">
+          <a:solidFill>
+            <a:schemeClr val="phClr"/>
+          </a:solidFill>
+          <a:prstDash val="solid"/>
+        </a:ln>
+        <a:ln w="38100" cap="flat" cmpd="sng" algn="ctr">
+          <a:solidFill>
+            <a:schemeClr val="phClr"/>
+          </a:solidFill>
+          <a:prstDash val="solid"/>
+        </a:ln>
+      </a:lnStyleLst>
+      <a:effectStyleLst>
+        <a:effectStyle>
+          <a:effectLst>
+            <a:outerShdw blurRad="40000" dist="20000" dir="5400000" rotWithShape="0">
+              <a:srgbClr val="000000">
+                <a:alpha val="38000"/>
+              </a:srgbClr>
+            </a:outerShdw>
+          </a:effectLst>
+        </a:effectStyle>
+        <a:effectStyle>
+          <a:effectLst>
+            <a:outerShdw blurRad="40000" dist="23000" dir="5400000" rotWithShape="0">
+              <a:srgbClr val="000000">
+                <a:alpha val="35000"/>
+              </a:srgbClr>
+            </a:outerShdw>
+          </a:effectLst>
+        </a:effectStyle>
+        <a:effectStyle>
+          <a:effectLst>
+            <a:outerShdw blurRad="40000" dist="23000" dir="5400000" rotWithShape="0">
+              <a:srgbClr val="000000">
+                <a:alpha val="35000"/>
+              </a:srgbClr>
+            </a:outerShdw>
+          </a:effectLst>
+          <a:scene3d>
+            <a:camera prst="orthographicFront">
+              <a:rot lat="0" lon="0" rev="0"/>
+            </a:camera>
+            <a:lightRig rig="threePt" dir="t">
+              <a:rot lat="0" lon="0" rev="1200000"/>
+            </a:lightRig>
+          </a:scene3d>
+          <a:sp3d>
+            <a:bevelT w="63500" h="25400"/>
+          </a:sp3d>
+        </a:effectStyle>
+      </a:effectStyleLst>
+      <a:bgFillStyleLst>
+        <a:solidFill>
+          <a:schemeClr val="phClr"/>
+        </a:solidFill>
+        <a:gradFill rotWithShape="1">
+          <a:gsLst>
+            <a:gs pos="0">
+              <a:schemeClr val="phClr">
+                <a:tint val="40000"/>
+                <a:satMod val="350000"/>
+              </a:schemeClr>
+            </a:gs>
+            <a:gs pos="40000">
+              <a:schemeClr val="phClr">
+                <a:tint val="45000"/>
+                <a:shade val="99000"/>
+                <a:satMod val="350000"/>
+              </a:schemeClr>
+            </a:gs>
+            <a:gs pos="100000">
+              <a:schemeClr val="phClr">
+                <a:shade val="20000"/>
+                <a:satMod val="255000"/>
+              </a:schemeClr>
+            </a:gs>
+          </a:gsLst>
+          <a:path path="circle">
+            <a:fillToRect l="50000" t="-80000" r="50000" b="180000"/>
+          </a:path>
+        </a:gradFill>
+        <a:gradFill rotWithShape="1">
+          <a:gsLst>
+            <a:gs pos="0">
+              <a:schemeClr val="phClr">
+                <a:tint val="80000"/>
+                <a:satMod val="300000"/>
+              </a:schemeClr>
+            </a:gs>
+            <a:gs pos="100000">
+              <a:schemeClr val="phClr">
+                <a:shade val="30000"/>
+                <a:satMod val="200000"/>
+              </a:schemeClr>
+            </a:gs>
+          </a:gsLst>
+          <a:path path="circle">
+            <a:fillToRect l="50000" t="50000" r="50000" b="50000"/>
+          </a:path>
+        </a:gradFill>
+      </a:bgFillStyleLst>
+    </a:fmtScheme>
+  </a:themeElements>
+  <a:objectDefaults/>
+  <a:extraClrSchemeLst/>
+</a:theme>
 </file>